--- a/picture/ppt/memory/memory_modle.pptx
+++ b/picture/ppt/memory/memory_modle.pptx
@@ -18,8 +18,8 @@
     <p:sldId id="260" r:id="rId7"/>
     <p:sldId id="263" r:id="rId8"/>
     <p:sldId id="262" r:id="rId9"/>
-    <p:sldId id="264" r:id="rId10"/>
-    <p:sldId id="265" r:id="rId11"/>
+    <p:sldId id="265" r:id="rId10"/>
+    <p:sldId id="264" r:id="rId11"/>
     <p:sldId id="266" r:id="rId12"/>
     <p:sldId id="267" r:id="rId13"/>
     <p:sldId id="268" r:id="rId14"/>
@@ -12427,7 +12427,7 @@
         </p:nvSpPr>
         <p:spPr>
           <a:xfrm>
-            <a:off x="572770" y="439420"/>
+            <a:off x="303530" y="241935"/>
             <a:ext cx="1791970" cy="368300"/>
           </a:xfrm>
           <a:prstGeom prst="rect">
@@ -13707,6 +13707,5374 @@
         <p:nvPr/>
       </p:nvGrpSpPr>
       <p:grpSpPr/>
+      <p:graphicFrame>
+        <p:nvGraphicFramePr>
+          <p:cNvPr id="3" name="Table 2"/>
+          <p:cNvGraphicFramePr/>
+          <p:nvPr/>
+        </p:nvGraphicFramePr>
+        <p:xfrm>
+          <a:off x="651510" y="125730"/>
+          <a:ext cx="11007090" cy="7177405"/>
+        </p:xfrm>
+        <a:graphic>
+          <a:graphicData uri="http://schemas.openxmlformats.org/drawingml/2006/table">
+            <a:tbl>
+              <a:tblPr firstRow="true" bandRow="true">
+                <a:tableStyleId>{5940675A-B579-460E-94D1-54222C63F5DA}</a:tableStyleId>
+              </a:tblPr>
+              <a:tblGrid>
+                <a:gridCol w="1210310"/>
+                <a:gridCol w="1381125"/>
+                <a:gridCol w="1238250"/>
+                <a:gridCol w="1362075"/>
+                <a:gridCol w="1051560"/>
+                <a:gridCol w="4763770"/>
+              </a:tblGrid>
+              <a:tr h="434975">
+                <a:tc>
+                  <a:txBody>
+                    <a:bodyPr/>
+                    <a:p>
+                      <a:pPr algn="ctr">
+                        <a:lnSpc>
+                          <a:spcPct val="160000"/>
+                        </a:lnSpc>
+                        <a:buNone/>
+                      </a:pPr>
+                      <a:r>
+                        <a:rPr lang="zh-CN" altLang="en-US" sz="1400" b="1">
+                          <a:solidFill>
+                            <a:srgbClr val="2C3E50"/>
+                          </a:solidFill>
+                        </a:rPr>
+                        <a:t>序号</a:t>
+                      </a:r>
+                      <a:endParaRPr lang="zh-CN" altLang="en-US" sz="1400" b="1">
+                        <a:solidFill>
+                          <a:srgbClr val="2C3E50"/>
+                        </a:solidFill>
+                      </a:endParaRPr>
+                    </a:p>
+                  </a:txBody>
+                  <a:tcPr>
+                    <a:lnL w="19050">
+                      <a:solidFill>
+                        <a:srgbClr val="2C3E50"/>
+                      </a:solidFill>
+                      <a:prstDash val="solid"/>
+                    </a:lnL>
+                    <a:lnR w="19050">
+                      <a:solidFill>
+                        <a:srgbClr val="2C3E50"/>
+                      </a:solidFill>
+                      <a:prstDash val="solid"/>
+                    </a:lnR>
+                    <a:lnT w="19050">
+                      <a:solidFill>
+                        <a:srgbClr val="2C3E50"/>
+                      </a:solidFill>
+                      <a:prstDash val="solid"/>
+                    </a:lnT>
+                    <a:lnB w="19050">
+                      <a:solidFill>
+                        <a:srgbClr val="2C3E50"/>
+                      </a:solidFill>
+                      <a:prstDash val="solid"/>
+                    </a:lnB>
+                    <a:noFill/>
+                  </a:tcPr>
+                </a:tc>
+                <a:tc>
+                  <a:txBody>
+                    <a:bodyPr/>
+                    <a:p>
+                      <a:pPr algn="ctr">
+                        <a:lnSpc>
+                          <a:spcPct val="200000"/>
+                        </a:lnSpc>
+                        <a:buNone/>
+                      </a:pPr>
+                      <a:r>
+                        <a:rPr lang="en-US" sz="1000" b="1">
+                          <a:solidFill>
+                            <a:srgbClr val="2C3E50"/>
+                          </a:solidFill>
+                          <a:sym typeface="+mn-ea"/>
+                        </a:rPr>
+                        <a:t>__GFP_MOVABLE</a:t>
+                      </a:r>
+                      <a:endParaRPr lang="en-US" sz="1000" b="1">
+                        <a:solidFill>
+                          <a:srgbClr val="2C3E50"/>
+                        </a:solidFill>
+                      </a:endParaRPr>
+                    </a:p>
+                  </a:txBody>
+                  <a:tcPr>
+                    <a:lnL w="19050">
+                      <a:solidFill>
+                        <a:srgbClr val="2C3E50"/>
+                      </a:solidFill>
+                      <a:prstDash val="solid"/>
+                    </a:lnL>
+                    <a:lnR w="19050">
+                      <a:solidFill>
+                        <a:srgbClr val="2C3E50"/>
+                      </a:solidFill>
+                      <a:prstDash val="solid"/>
+                    </a:lnR>
+                    <a:lnT w="19050">
+                      <a:solidFill>
+                        <a:srgbClr val="2C3E50"/>
+                      </a:solidFill>
+                      <a:prstDash val="solid"/>
+                    </a:lnT>
+                    <a:lnB w="19050">
+                      <a:solidFill>
+                        <a:srgbClr val="2C3E50"/>
+                      </a:solidFill>
+                      <a:prstDash val="solid"/>
+                    </a:lnB>
+                    <a:noFill/>
+                  </a:tcPr>
+                </a:tc>
+                <a:tc>
+                  <a:txBody>
+                    <a:bodyPr/>
+                    <a:p>
+                      <a:pPr algn="ctr">
+                        <a:lnSpc>
+                          <a:spcPct val="200000"/>
+                        </a:lnSpc>
+                        <a:buNone/>
+                      </a:pPr>
+                      <a:r>
+                        <a:rPr lang="en-US" sz="1000" b="1">
+                          <a:solidFill>
+                            <a:srgbClr val="2C3E50"/>
+                          </a:solidFill>
+                          <a:sym typeface="+mn-ea"/>
+                        </a:rPr>
+                        <a:t>__GFP_DMA32</a:t>
+                      </a:r>
+                      <a:endParaRPr lang="en-US" sz="1000" b="1">
+                        <a:solidFill>
+                          <a:srgbClr val="2C3E50"/>
+                        </a:solidFill>
+                      </a:endParaRPr>
+                    </a:p>
+                  </a:txBody>
+                  <a:tcPr>
+                    <a:lnL w="19050">
+                      <a:solidFill>
+                        <a:srgbClr val="2C3E50"/>
+                      </a:solidFill>
+                      <a:prstDash val="solid"/>
+                    </a:lnL>
+                    <a:lnR w="19050">
+                      <a:solidFill>
+                        <a:srgbClr val="2C3E50"/>
+                      </a:solidFill>
+                      <a:prstDash val="solid"/>
+                    </a:lnR>
+                    <a:lnT w="19050">
+                      <a:solidFill>
+                        <a:srgbClr val="2C3E50"/>
+                      </a:solidFill>
+                      <a:prstDash val="solid"/>
+                    </a:lnT>
+                    <a:lnB w="19050">
+                      <a:solidFill>
+                        <a:srgbClr val="2C3E50"/>
+                      </a:solidFill>
+                      <a:prstDash val="solid"/>
+                    </a:lnB>
+                    <a:noFill/>
+                  </a:tcPr>
+                </a:tc>
+                <a:tc>
+                  <a:txBody>
+                    <a:bodyPr/>
+                    <a:p>
+                      <a:pPr algn="ctr">
+                        <a:lnSpc>
+                          <a:spcPct val="200000"/>
+                        </a:lnSpc>
+                        <a:buNone/>
+                      </a:pPr>
+                      <a:r>
+                        <a:rPr lang="en-US" sz="1000" b="1">
+                          <a:solidFill>
+                            <a:srgbClr val="2C3E50"/>
+                          </a:solidFill>
+                          <a:sym typeface="+mn-ea"/>
+                        </a:rPr>
+                        <a:t>__GFP_HIGHMEM</a:t>
+                      </a:r>
+                      <a:endParaRPr lang="en-US" sz="1000" b="1">
+                        <a:solidFill>
+                          <a:srgbClr val="2C3E50"/>
+                        </a:solidFill>
+                      </a:endParaRPr>
+                    </a:p>
+                  </a:txBody>
+                  <a:tcPr>
+                    <a:lnL w="19050">
+                      <a:solidFill>
+                        <a:srgbClr val="2C3E50"/>
+                      </a:solidFill>
+                      <a:prstDash val="solid"/>
+                    </a:lnL>
+                    <a:lnR w="19050">
+                      <a:solidFill>
+                        <a:srgbClr val="2C3E50"/>
+                      </a:solidFill>
+                      <a:prstDash val="solid"/>
+                    </a:lnR>
+                    <a:lnT w="19050">
+                      <a:solidFill>
+                        <a:srgbClr val="2C3E50"/>
+                      </a:solidFill>
+                      <a:prstDash val="solid"/>
+                    </a:lnT>
+                    <a:lnB w="19050">
+                      <a:solidFill>
+                        <a:srgbClr val="2C3E50"/>
+                      </a:solidFill>
+                      <a:prstDash val="solid"/>
+                    </a:lnB>
+                    <a:noFill/>
+                  </a:tcPr>
+                </a:tc>
+                <a:tc>
+                  <a:txBody>
+                    <a:bodyPr/>
+                    <a:p>
+                      <a:pPr algn="ctr">
+                        <a:lnSpc>
+                          <a:spcPct val="200000"/>
+                        </a:lnSpc>
+                        <a:buNone/>
+                      </a:pPr>
+                      <a:r>
+                        <a:rPr lang="en-US" sz="1000" b="1">
+                          <a:solidFill>
+                            <a:srgbClr val="2C3E50"/>
+                          </a:solidFill>
+                          <a:sym typeface="+mn-ea"/>
+                        </a:rPr>
+                        <a:t>__GFP_DMA</a:t>
+                      </a:r>
+                      <a:endParaRPr lang="en-US" sz="1000" b="1">
+                        <a:solidFill>
+                          <a:srgbClr val="2C3E50"/>
+                        </a:solidFill>
+                      </a:endParaRPr>
+                    </a:p>
+                  </a:txBody>
+                  <a:tcPr>
+                    <a:lnL w="19050">
+                      <a:solidFill>
+                        <a:srgbClr val="2C3E50"/>
+                      </a:solidFill>
+                      <a:prstDash val="solid"/>
+                    </a:lnL>
+                    <a:lnR w="19050">
+                      <a:solidFill>
+                        <a:srgbClr val="2C3E50"/>
+                      </a:solidFill>
+                      <a:prstDash val="solid"/>
+                    </a:lnR>
+                    <a:lnT w="19050">
+                      <a:solidFill>
+                        <a:srgbClr val="2C3E50"/>
+                      </a:solidFill>
+                      <a:prstDash val="solid"/>
+                    </a:lnT>
+                    <a:lnB w="19050">
+                      <a:solidFill>
+                        <a:srgbClr val="2C3E50"/>
+                      </a:solidFill>
+                      <a:prstDash val="solid"/>
+                    </a:lnB>
+                    <a:noFill/>
+                  </a:tcPr>
+                </a:tc>
+                <a:tc>
+                  <a:txBody>
+                    <a:bodyPr/>
+                    <a:p>
+                      <a:pPr algn="ctr">
+                        <a:lnSpc>
+                          <a:spcPct val="160000"/>
+                        </a:lnSpc>
+                        <a:buNone/>
+                      </a:pPr>
+                      <a:endParaRPr lang="en-US" sz="1400" b="1">
+                        <a:solidFill>
+                          <a:srgbClr val="2C3E50"/>
+                        </a:solidFill>
+                      </a:endParaRPr>
+                    </a:p>
+                  </a:txBody>
+                  <a:tcPr>
+                    <a:lnL w="19050">
+                      <a:solidFill>
+                        <a:srgbClr val="2C3E50"/>
+                      </a:solidFill>
+                      <a:prstDash val="solid"/>
+                    </a:lnL>
+                    <a:lnR w="19050">
+                      <a:solidFill>
+                        <a:srgbClr val="2C3E50"/>
+                      </a:solidFill>
+                      <a:prstDash val="solid"/>
+                    </a:lnR>
+                    <a:lnT w="19050">
+                      <a:solidFill>
+                        <a:srgbClr val="2C3E50"/>
+                      </a:solidFill>
+                      <a:prstDash val="solid"/>
+                    </a:lnT>
+                    <a:lnB w="19050">
+                      <a:solidFill>
+                        <a:srgbClr val="2C3E50"/>
+                      </a:solidFill>
+                      <a:prstDash val="solid"/>
+                    </a:lnB>
+                    <a:noFill/>
+                  </a:tcPr>
+                </a:tc>
+              </a:tr>
+              <a:tr h="381635">
+                <a:tc>
+                  <a:txBody>
+                    <a:bodyPr/>
+                    <a:p>
+                      <a:pPr algn="ctr">
+                        <a:lnSpc>
+                          <a:spcPct val="130000"/>
+                        </a:lnSpc>
+                        <a:buNone/>
+                      </a:pPr>
+                      <a:r>
+                        <a:rPr lang="en-US" sz="1400" b="1">
+                          <a:solidFill>
+                            <a:srgbClr val="3EAF7C"/>
+                          </a:solidFill>
+                        </a:rPr>
+                        <a:t>0</a:t>
+                      </a:r>
+                      <a:endParaRPr lang="en-US" sz="1400" b="1">
+                        <a:solidFill>
+                          <a:srgbClr val="3EAF7C"/>
+                        </a:solidFill>
+                      </a:endParaRPr>
+                    </a:p>
+                  </a:txBody>
+                  <a:tcPr>
+                    <a:lnL w="19050">
+                      <a:solidFill>
+                        <a:srgbClr val="2C3E50"/>
+                      </a:solidFill>
+                      <a:prstDash val="solid"/>
+                    </a:lnL>
+                    <a:lnR w="19050">
+                      <a:solidFill>
+                        <a:srgbClr val="2C3E50"/>
+                      </a:solidFill>
+                      <a:prstDash val="solid"/>
+                    </a:lnR>
+                    <a:lnT w="19050">
+                      <a:solidFill>
+                        <a:srgbClr val="2C3E50"/>
+                      </a:solidFill>
+                      <a:prstDash val="solid"/>
+                    </a:lnT>
+                    <a:lnB w="19050">
+                      <a:solidFill>
+                        <a:srgbClr val="2C3E50"/>
+                      </a:solidFill>
+                      <a:prstDash val="solid"/>
+                    </a:lnB>
+                  </a:tcPr>
+                </a:tc>
+                <a:tc>
+                  <a:txBody>
+                    <a:bodyPr/>
+                    <a:p>
+                      <a:pPr algn="ctr">
+                        <a:lnSpc>
+                          <a:spcPct val="160000"/>
+                        </a:lnSpc>
+                        <a:buNone/>
+                      </a:pPr>
+                      <a:r>
+                        <a:rPr lang="" altLang="en-US" sz="1000" b="1">
+                          <a:solidFill>
+                            <a:srgbClr val="2C3E50"/>
+                          </a:solidFill>
+                        </a:rPr>
+                        <a:t>0</a:t>
+                      </a:r>
+                      <a:endParaRPr lang="" altLang="en-US" sz="1000" b="1">
+                        <a:solidFill>
+                          <a:srgbClr val="2C3E50"/>
+                        </a:solidFill>
+                      </a:endParaRPr>
+                    </a:p>
+                  </a:txBody>
+                  <a:tcPr>
+                    <a:lnL w="19050">
+                      <a:solidFill>
+                        <a:srgbClr val="2C3E50"/>
+                      </a:solidFill>
+                      <a:prstDash val="solid"/>
+                    </a:lnL>
+                    <a:lnR w="19050">
+                      <a:solidFill>
+                        <a:srgbClr val="2C3E50"/>
+                      </a:solidFill>
+                      <a:prstDash val="solid"/>
+                    </a:lnR>
+                    <a:lnT w="19050">
+                      <a:solidFill>
+                        <a:srgbClr val="2C3E50"/>
+                      </a:solidFill>
+                      <a:prstDash val="solid"/>
+                    </a:lnT>
+                    <a:lnB w="19050">
+                      <a:solidFill>
+                        <a:srgbClr val="2C3E50"/>
+                      </a:solidFill>
+                      <a:prstDash val="solid"/>
+                    </a:lnB>
+                  </a:tcPr>
+                </a:tc>
+                <a:tc>
+                  <a:txBody>
+                    <a:bodyPr/>
+                    <a:p>
+                      <a:pPr algn="ctr">
+                        <a:lnSpc>
+                          <a:spcPct val="160000"/>
+                        </a:lnSpc>
+                        <a:buNone/>
+                      </a:pPr>
+                      <a:r>
+                        <a:rPr lang="" altLang="en-US" sz="1000" b="1">
+                          <a:solidFill>
+                            <a:srgbClr val="2C3E50"/>
+                          </a:solidFill>
+                        </a:rPr>
+                        <a:t>0</a:t>
+                      </a:r>
+                      <a:endParaRPr lang="" altLang="en-US" sz="1000" b="1">
+                        <a:solidFill>
+                          <a:srgbClr val="2C3E50"/>
+                        </a:solidFill>
+                      </a:endParaRPr>
+                    </a:p>
+                  </a:txBody>
+                  <a:tcPr>
+                    <a:lnL w="19050">
+                      <a:solidFill>
+                        <a:srgbClr val="2C3E50"/>
+                      </a:solidFill>
+                      <a:prstDash val="solid"/>
+                    </a:lnL>
+                    <a:lnR w="19050">
+                      <a:solidFill>
+                        <a:srgbClr val="2C3E50"/>
+                      </a:solidFill>
+                      <a:prstDash val="solid"/>
+                    </a:lnR>
+                    <a:lnT w="19050">
+                      <a:solidFill>
+                        <a:srgbClr val="2C3E50"/>
+                      </a:solidFill>
+                      <a:prstDash val="solid"/>
+                    </a:lnT>
+                    <a:lnB w="19050">
+                      <a:solidFill>
+                        <a:srgbClr val="2C3E50"/>
+                      </a:solidFill>
+                      <a:prstDash val="solid"/>
+                    </a:lnB>
+                  </a:tcPr>
+                </a:tc>
+                <a:tc>
+                  <a:txBody>
+                    <a:bodyPr/>
+                    <a:p>
+                      <a:pPr algn="ctr">
+                        <a:lnSpc>
+                          <a:spcPct val="160000"/>
+                        </a:lnSpc>
+                        <a:buNone/>
+                      </a:pPr>
+                      <a:r>
+                        <a:rPr lang="" altLang="en-US" sz="1000" b="1">
+                          <a:solidFill>
+                            <a:srgbClr val="2C3E50"/>
+                          </a:solidFill>
+                        </a:rPr>
+                        <a:t>0</a:t>
+                      </a:r>
+                      <a:endParaRPr lang="" altLang="en-US" sz="1000" b="1">
+                        <a:solidFill>
+                          <a:srgbClr val="2C3E50"/>
+                        </a:solidFill>
+                      </a:endParaRPr>
+                    </a:p>
+                  </a:txBody>
+                  <a:tcPr>
+                    <a:lnL w="19050">
+                      <a:solidFill>
+                        <a:srgbClr val="2C3E50"/>
+                      </a:solidFill>
+                      <a:prstDash val="solid"/>
+                    </a:lnL>
+                    <a:lnR w="19050">
+                      <a:solidFill>
+                        <a:srgbClr val="2C3E50"/>
+                      </a:solidFill>
+                      <a:prstDash val="solid"/>
+                    </a:lnR>
+                    <a:lnT w="19050">
+                      <a:solidFill>
+                        <a:srgbClr val="2C3E50"/>
+                      </a:solidFill>
+                      <a:prstDash val="solid"/>
+                    </a:lnT>
+                    <a:lnB w="19050">
+                      <a:solidFill>
+                        <a:srgbClr val="2C3E50"/>
+                      </a:solidFill>
+                      <a:prstDash val="solid"/>
+                    </a:lnB>
+                  </a:tcPr>
+                </a:tc>
+                <a:tc>
+                  <a:txBody>
+                    <a:bodyPr/>
+                    <a:p>
+                      <a:pPr algn="ctr">
+                        <a:lnSpc>
+                          <a:spcPct val="160000"/>
+                        </a:lnSpc>
+                        <a:buNone/>
+                      </a:pPr>
+                      <a:r>
+                        <a:rPr lang="" altLang="en-US" sz="1000" b="1">
+                          <a:solidFill>
+                            <a:srgbClr val="2C3E50"/>
+                          </a:solidFill>
+                        </a:rPr>
+                        <a:t>0</a:t>
+                      </a:r>
+                      <a:endParaRPr lang="" altLang="en-US" sz="1000" b="1">
+                        <a:solidFill>
+                          <a:srgbClr val="2C3E50"/>
+                        </a:solidFill>
+                      </a:endParaRPr>
+                    </a:p>
+                  </a:txBody>
+                  <a:tcPr>
+                    <a:lnL w="19050">
+                      <a:solidFill>
+                        <a:srgbClr val="2C3E50"/>
+                      </a:solidFill>
+                      <a:prstDash val="solid"/>
+                    </a:lnL>
+                    <a:lnR w="19050">
+                      <a:solidFill>
+                        <a:srgbClr val="2C3E50"/>
+                      </a:solidFill>
+                      <a:prstDash val="solid"/>
+                    </a:lnR>
+                    <a:lnT w="19050">
+                      <a:solidFill>
+                        <a:srgbClr val="2C3E50"/>
+                      </a:solidFill>
+                      <a:prstDash val="solid"/>
+                    </a:lnT>
+                    <a:lnB w="19050">
+                      <a:solidFill>
+                        <a:srgbClr val="2C3E50"/>
+                      </a:solidFill>
+                      <a:prstDash val="solid"/>
+                    </a:lnB>
+                  </a:tcPr>
+                </a:tc>
+                <a:tc>
+                  <a:txBody>
+                    <a:bodyPr/>
+                    <a:p>
+                      <a:pPr>
+                        <a:lnSpc>
+                          <a:spcPct val="160000"/>
+                        </a:lnSpc>
+                        <a:buNone/>
+                      </a:pPr>
+                      <a:r>
+                        <a:rPr lang="en-US" sz="1000" b="1">
+                          <a:solidFill>
+                            <a:srgbClr val="3EAF7C"/>
+                          </a:solidFill>
+                        </a:rPr>
+                        <a:t>NORMAL</a:t>
+                      </a:r>
+                      <a:endParaRPr lang="en-US" sz="1000" b="1">
+                        <a:solidFill>
+                          <a:srgbClr val="3EAF7C"/>
+                        </a:solidFill>
+                      </a:endParaRPr>
+                    </a:p>
+                  </a:txBody>
+                  <a:tcPr>
+                    <a:lnL w="19050">
+                      <a:solidFill>
+                        <a:srgbClr val="2C3E50"/>
+                      </a:solidFill>
+                      <a:prstDash val="solid"/>
+                    </a:lnL>
+                    <a:lnR w="19050">
+                      <a:solidFill>
+                        <a:srgbClr val="2C3E50"/>
+                      </a:solidFill>
+                      <a:prstDash val="solid"/>
+                    </a:lnR>
+                    <a:lnT w="19050">
+                      <a:solidFill>
+                        <a:srgbClr val="2C3E50"/>
+                      </a:solidFill>
+                      <a:prstDash val="solid"/>
+                    </a:lnT>
+                    <a:lnB w="19050">
+                      <a:solidFill>
+                        <a:srgbClr val="2C3E50"/>
+                      </a:solidFill>
+                      <a:prstDash val="solid"/>
+                    </a:lnB>
+                  </a:tcPr>
+                </a:tc>
+              </a:tr>
+              <a:tr h="382270">
+                <a:tc>
+                  <a:txBody>
+                    <a:bodyPr/>
+                    <a:p>
+                      <a:pPr algn="ctr">
+                        <a:lnSpc>
+                          <a:spcPct val="130000"/>
+                        </a:lnSpc>
+                        <a:buNone/>
+                      </a:pPr>
+                      <a:r>
+                        <a:rPr lang="en-US" sz="1400" b="1">
+                          <a:solidFill>
+                            <a:srgbClr val="3EAF7C"/>
+                          </a:solidFill>
+                        </a:rPr>
+                        <a:t>1</a:t>
+                      </a:r>
+                      <a:endParaRPr lang="en-US" sz="1400" b="1">
+                        <a:solidFill>
+                          <a:srgbClr val="3EAF7C"/>
+                        </a:solidFill>
+                      </a:endParaRPr>
+                    </a:p>
+                  </a:txBody>
+                  <a:tcPr>
+                    <a:lnL w="19050">
+                      <a:solidFill>
+                        <a:srgbClr val="2C3E50"/>
+                      </a:solidFill>
+                      <a:prstDash val="solid"/>
+                    </a:lnL>
+                    <a:lnR w="19050">
+                      <a:solidFill>
+                        <a:srgbClr val="2C3E50"/>
+                      </a:solidFill>
+                      <a:prstDash val="solid"/>
+                    </a:lnR>
+                    <a:lnT w="19050">
+                      <a:solidFill>
+                        <a:srgbClr val="2C3E50"/>
+                      </a:solidFill>
+                      <a:prstDash val="solid"/>
+                    </a:lnT>
+                    <a:lnB w="19050">
+                      <a:solidFill>
+                        <a:srgbClr val="2C3E50"/>
+                      </a:solidFill>
+                      <a:prstDash val="solid"/>
+                    </a:lnB>
+                  </a:tcPr>
+                </a:tc>
+                <a:tc>
+                  <a:txBody>
+                    <a:bodyPr/>
+                    <a:p>
+                      <a:pPr algn="ctr">
+                        <a:lnSpc>
+                          <a:spcPct val="160000"/>
+                        </a:lnSpc>
+                        <a:buNone/>
+                      </a:pPr>
+                      <a:r>
+                        <a:rPr lang="" altLang="en-US" sz="1000" b="1">
+                          <a:solidFill>
+                            <a:srgbClr val="2C3E50"/>
+                          </a:solidFill>
+                        </a:rPr>
+                        <a:t>0</a:t>
+                      </a:r>
+                      <a:endParaRPr lang="" altLang="en-US" sz="1000" b="1">
+                        <a:solidFill>
+                          <a:srgbClr val="2C3E50"/>
+                        </a:solidFill>
+                      </a:endParaRPr>
+                    </a:p>
+                  </a:txBody>
+                  <a:tcPr>
+                    <a:lnL w="19050">
+                      <a:solidFill>
+                        <a:srgbClr val="2C3E50"/>
+                      </a:solidFill>
+                      <a:prstDash val="solid"/>
+                    </a:lnL>
+                    <a:lnR w="19050">
+                      <a:solidFill>
+                        <a:srgbClr val="2C3E50"/>
+                      </a:solidFill>
+                      <a:prstDash val="solid"/>
+                    </a:lnR>
+                    <a:lnT w="19050">
+                      <a:solidFill>
+                        <a:srgbClr val="2C3E50"/>
+                      </a:solidFill>
+                      <a:prstDash val="solid"/>
+                    </a:lnT>
+                    <a:lnB w="19050">
+                      <a:solidFill>
+                        <a:srgbClr val="2C3E50"/>
+                      </a:solidFill>
+                      <a:prstDash val="solid"/>
+                    </a:lnB>
+                  </a:tcPr>
+                </a:tc>
+                <a:tc>
+                  <a:txBody>
+                    <a:bodyPr/>
+                    <a:p>
+                      <a:pPr algn="ctr">
+                        <a:lnSpc>
+                          <a:spcPct val="160000"/>
+                        </a:lnSpc>
+                        <a:buNone/>
+                      </a:pPr>
+                      <a:r>
+                        <a:rPr lang="" altLang="en-US" sz="1000" b="1">
+                          <a:solidFill>
+                            <a:srgbClr val="2C3E50"/>
+                          </a:solidFill>
+                        </a:rPr>
+                        <a:t>0</a:t>
+                      </a:r>
+                      <a:endParaRPr lang="" altLang="en-US" sz="1000" b="1">
+                        <a:solidFill>
+                          <a:srgbClr val="2C3E50"/>
+                        </a:solidFill>
+                      </a:endParaRPr>
+                    </a:p>
+                  </a:txBody>
+                  <a:tcPr>
+                    <a:lnL w="19050">
+                      <a:solidFill>
+                        <a:srgbClr val="2C3E50"/>
+                      </a:solidFill>
+                      <a:prstDash val="solid"/>
+                    </a:lnL>
+                    <a:lnR w="19050">
+                      <a:solidFill>
+                        <a:srgbClr val="2C3E50"/>
+                      </a:solidFill>
+                      <a:prstDash val="solid"/>
+                    </a:lnR>
+                    <a:lnT w="19050">
+                      <a:solidFill>
+                        <a:srgbClr val="2C3E50"/>
+                      </a:solidFill>
+                      <a:prstDash val="solid"/>
+                    </a:lnT>
+                    <a:lnB w="19050">
+                      <a:solidFill>
+                        <a:srgbClr val="2C3E50"/>
+                      </a:solidFill>
+                      <a:prstDash val="solid"/>
+                    </a:lnB>
+                  </a:tcPr>
+                </a:tc>
+                <a:tc>
+                  <a:txBody>
+                    <a:bodyPr/>
+                    <a:p>
+                      <a:pPr algn="ctr">
+                        <a:lnSpc>
+                          <a:spcPct val="160000"/>
+                        </a:lnSpc>
+                        <a:buNone/>
+                      </a:pPr>
+                      <a:r>
+                        <a:rPr lang="" altLang="en-US" sz="1000" b="1">
+                          <a:solidFill>
+                            <a:srgbClr val="2C3E50"/>
+                          </a:solidFill>
+                        </a:rPr>
+                        <a:t>0</a:t>
+                      </a:r>
+                      <a:endParaRPr lang="" altLang="en-US" sz="1000" b="1">
+                        <a:solidFill>
+                          <a:srgbClr val="2C3E50"/>
+                        </a:solidFill>
+                      </a:endParaRPr>
+                    </a:p>
+                  </a:txBody>
+                  <a:tcPr>
+                    <a:lnL w="19050">
+                      <a:solidFill>
+                        <a:srgbClr val="2C3E50"/>
+                      </a:solidFill>
+                      <a:prstDash val="solid"/>
+                    </a:lnL>
+                    <a:lnR w="19050">
+                      <a:solidFill>
+                        <a:srgbClr val="2C3E50"/>
+                      </a:solidFill>
+                      <a:prstDash val="solid"/>
+                    </a:lnR>
+                    <a:lnT w="19050">
+                      <a:solidFill>
+                        <a:srgbClr val="2C3E50"/>
+                      </a:solidFill>
+                      <a:prstDash val="solid"/>
+                    </a:lnT>
+                    <a:lnB w="19050">
+                      <a:solidFill>
+                        <a:srgbClr val="2C3E50"/>
+                      </a:solidFill>
+                      <a:prstDash val="solid"/>
+                    </a:lnB>
+                  </a:tcPr>
+                </a:tc>
+                <a:tc>
+                  <a:txBody>
+                    <a:bodyPr/>
+                    <a:p>
+                      <a:pPr algn="ctr">
+                        <a:lnSpc>
+                          <a:spcPct val="160000"/>
+                        </a:lnSpc>
+                        <a:buNone/>
+                      </a:pPr>
+                      <a:r>
+                        <a:rPr lang="" altLang="en-US" sz="1000" b="1">
+                          <a:solidFill>
+                            <a:srgbClr val="2C3E50"/>
+                          </a:solidFill>
+                        </a:rPr>
+                        <a:t>1</a:t>
+                      </a:r>
+                      <a:endParaRPr lang="" altLang="en-US" sz="1000" b="1">
+                        <a:solidFill>
+                          <a:srgbClr val="2C3E50"/>
+                        </a:solidFill>
+                      </a:endParaRPr>
+                    </a:p>
+                  </a:txBody>
+                  <a:tcPr>
+                    <a:lnL w="19050">
+                      <a:solidFill>
+                        <a:srgbClr val="2C3E50"/>
+                      </a:solidFill>
+                      <a:prstDash val="solid"/>
+                    </a:lnL>
+                    <a:lnR w="19050">
+                      <a:solidFill>
+                        <a:srgbClr val="2C3E50"/>
+                      </a:solidFill>
+                      <a:prstDash val="solid"/>
+                    </a:lnR>
+                    <a:lnT w="19050">
+                      <a:solidFill>
+                        <a:srgbClr val="2C3E50"/>
+                      </a:solidFill>
+                      <a:prstDash val="solid"/>
+                    </a:lnT>
+                    <a:lnB w="19050">
+                      <a:solidFill>
+                        <a:srgbClr val="2C3E50"/>
+                      </a:solidFill>
+                      <a:prstDash val="solid"/>
+                    </a:lnB>
+                  </a:tcPr>
+                </a:tc>
+                <a:tc>
+                  <a:txBody>
+                    <a:bodyPr/>
+                    <a:p>
+                      <a:pPr>
+                        <a:lnSpc>
+                          <a:spcPct val="160000"/>
+                        </a:lnSpc>
+                        <a:buNone/>
+                      </a:pPr>
+                      <a:r>
+                        <a:rPr lang="en-US" sz="1000" b="1">
+                          <a:solidFill>
+                            <a:srgbClr val="3EAF7C"/>
+                          </a:solidFill>
+                        </a:rPr>
+                        <a:t>DMA or NORMAL </a:t>
+                      </a:r>
+                      <a:endParaRPr lang="en-US" sz="1000" b="1">
+                        <a:solidFill>
+                          <a:srgbClr val="3EAF7C"/>
+                        </a:solidFill>
+                      </a:endParaRPr>
+                    </a:p>
+                  </a:txBody>
+                  <a:tcPr>
+                    <a:lnL w="19050">
+                      <a:solidFill>
+                        <a:srgbClr val="2C3E50"/>
+                      </a:solidFill>
+                      <a:prstDash val="solid"/>
+                    </a:lnL>
+                    <a:lnR w="19050">
+                      <a:solidFill>
+                        <a:srgbClr val="2C3E50"/>
+                      </a:solidFill>
+                      <a:prstDash val="solid"/>
+                    </a:lnR>
+                    <a:lnT w="19050">
+                      <a:solidFill>
+                        <a:srgbClr val="2C3E50"/>
+                      </a:solidFill>
+                      <a:prstDash val="solid"/>
+                    </a:lnT>
+                    <a:lnB w="19050">
+                      <a:solidFill>
+                        <a:srgbClr val="2C3E50"/>
+                      </a:solidFill>
+                      <a:prstDash val="solid"/>
+                    </a:lnB>
+                  </a:tcPr>
+                </a:tc>
+              </a:tr>
+              <a:tr h="381635">
+                <a:tc>
+                  <a:txBody>
+                    <a:bodyPr/>
+                    <a:p>
+                      <a:pPr algn="ctr">
+                        <a:lnSpc>
+                          <a:spcPct val="130000"/>
+                        </a:lnSpc>
+                        <a:buNone/>
+                      </a:pPr>
+                      <a:r>
+                        <a:rPr lang="en-US" sz="1400" b="1">
+                          <a:solidFill>
+                            <a:srgbClr val="3EAF7C"/>
+                          </a:solidFill>
+                        </a:rPr>
+                        <a:t>2</a:t>
+                      </a:r>
+                      <a:endParaRPr lang="en-US" sz="1400" b="1">
+                        <a:solidFill>
+                          <a:srgbClr val="3EAF7C"/>
+                        </a:solidFill>
+                      </a:endParaRPr>
+                    </a:p>
+                  </a:txBody>
+                  <a:tcPr>
+                    <a:lnL w="19050">
+                      <a:solidFill>
+                        <a:srgbClr val="2C3E50"/>
+                      </a:solidFill>
+                      <a:prstDash val="solid"/>
+                    </a:lnL>
+                    <a:lnR w="19050">
+                      <a:solidFill>
+                        <a:srgbClr val="2C3E50"/>
+                      </a:solidFill>
+                      <a:prstDash val="solid"/>
+                    </a:lnR>
+                    <a:lnT w="19050">
+                      <a:solidFill>
+                        <a:srgbClr val="2C3E50"/>
+                      </a:solidFill>
+                      <a:prstDash val="solid"/>
+                    </a:lnT>
+                    <a:lnB w="19050">
+                      <a:solidFill>
+                        <a:srgbClr val="2C3E50"/>
+                      </a:solidFill>
+                      <a:prstDash val="solid"/>
+                    </a:lnB>
+                  </a:tcPr>
+                </a:tc>
+                <a:tc>
+                  <a:txBody>
+                    <a:bodyPr/>
+                    <a:p>
+                      <a:pPr algn="ctr">
+                        <a:lnSpc>
+                          <a:spcPct val="160000"/>
+                        </a:lnSpc>
+                        <a:buNone/>
+                      </a:pPr>
+                      <a:r>
+                        <a:rPr lang="" altLang="en-US" sz="1000" b="1">
+                          <a:solidFill>
+                            <a:srgbClr val="2C3E50"/>
+                          </a:solidFill>
+                        </a:rPr>
+                        <a:t>0</a:t>
+                      </a:r>
+                      <a:endParaRPr lang="" altLang="en-US" sz="1000" b="1">
+                        <a:solidFill>
+                          <a:srgbClr val="2C3E50"/>
+                        </a:solidFill>
+                      </a:endParaRPr>
+                    </a:p>
+                  </a:txBody>
+                  <a:tcPr>
+                    <a:lnL w="19050">
+                      <a:solidFill>
+                        <a:srgbClr val="2C3E50"/>
+                      </a:solidFill>
+                      <a:prstDash val="solid"/>
+                    </a:lnL>
+                    <a:lnR w="19050">
+                      <a:solidFill>
+                        <a:srgbClr val="2C3E50"/>
+                      </a:solidFill>
+                      <a:prstDash val="solid"/>
+                    </a:lnR>
+                    <a:lnT w="19050">
+                      <a:solidFill>
+                        <a:srgbClr val="2C3E50"/>
+                      </a:solidFill>
+                      <a:prstDash val="solid"/>
+                    </a:lnT>
+                    <a:lnB w="19050">
+                      <a:solidFill>
+                        <a:srgbClr val="2C3E50"/>
+                      </a:solidFill>
+                      <a:prstDash val="solid"/>
+                    </a:lnB>
+                  </a:tcPr>
+                </a:tc>
+                <a:tc>
+                  <a:txBody>
+                    <a:bodyPr/>
+                    <a:p>
+                      <a:pPr algn="ctr">
+                        <a:lnSpc>
+                          <a:spcPct val="160000"/>
+                        </a:lnSpc>
+                        <a:buNone/>
+                      </a:pPr>
+                      <a:r>
+                        <a:rPr lang="" altLang="en-US" sz="1000" b="1">
+                          <a:solidFill>
+                            <a:srgbClr val="2C3E50"/>
+                          </a:solidFill>
+                        </a:rPr>
+                        <a:t>0</a:t>
+                      </a:r>
+                      <a:endParaRPr lang="" altLang="en-US" sz="1000" b="1">
+                        <a:solidFill>
+                          <a:srgbClr val="2C3E50"/>
+                        </a:solidFill>
+                      </a:endParaRPr>
+                    </a:p>
+                  </a:txBody>
+                  <a:tcPr>
+                    <a:lnL w="19050">
+                      <a:solidFill>
+                        <a:srgbClr val="2C3E50"/>
+                      </a:solidFill>
+                      <a:prstDash val="solid"/>
+                    </a:lnL>
+                    <a:lnR w="19050">
+                      <a:solidFill>
+                        <a:srgbClr val="2C3E50"/>
+                      </a:solidFill>
+                      <a:prstDash val="solid"/>
+                    </a:lnR>
+                    <a:lnT w="19050">
+                      <a:solidFill>
+                        <a:srgbClr val="2C3E50"/>
+                      </a:solidFill>
+                      <a:prstDash val="solid"/>
+                    </a:lnT>
+                    <a:lnB w="19050">
+                      <a:solidFill>
+                        <a:srgbClr val="2C3E50"/>
+                      </a:solidFill>
+                      <a:prstDash val="solid"/>
+                    </a:lnB>
+                  </a:tcPr>
+                </a:tc>
+                <a:tc>
+                  <a:txBody>
+                    <a:bodyPr/>
+                    <a:p>
+                      <a:pPr algn="ctr">
+                        <a:lnSpc>
+                          <a:spcPct val="160000"/>
+                        </a:lnSpc>
+                        <a:buNone/>
+                      </a:pPr>
+                      <a:r>
+                        <a:rPr lang="" altLang="en-US" sz="1000" b="1">
+                          <a:solidFill>
+                            <a:srgbClr val="2C3E50"/>
+                          </a:solidFill>
+                        </a:rPr>
+                        <a:t>1</a:t>
+                      </a:r>
+                      <a:endParaRPr lang="" altLang="en-US" sz="1000" b="1">
+                        <a:solidFill>
+                          <a:srgbClr val="2C3E50"/>
+                        </a:solidFill>
+                      </a:endParaRPr>
+                    </a:p>
+                  </a:txBody>
+                  <a:tcPr>
+                    <a:lnL w="19050">
+                      <a:solidFill>
+                        <a:srgbClr val="2C3E50"/>
+                      </a:solidFill>
+                      <a:prstDash val="solid"/>
+                    </a:lnL>
+                    <a:lnR w="19050">
+                      <a:solidFill>
+                        <a:srgbClr val="2C3E50"/>
+                      </a:solidFill>
+                      <a:prstDash val="solid"/>
+                    </a:lnR>
+                    <a:lnT w="19050">
+                      <a:solidFill>
+                        <a:srgbClr val="2C3E50"/>
+                      </a:solidFill>
+                      <a:prstDash val="solid"/>
+                    </a:lnT>
+                    <a:lnB w="19050">
+                      <a:solidFill>
+                        <a:srgbClr val="2C3E50"/>
+                      </a:solidFill>
+                      <a:prstDash val="solid"/>
+                    </a:lnB>
+                  </a:tcPr>
+                </a:tc>
+                <a:tc>
+                  <a:txBody>
+                    <a:bodyPr/>
+                    <a:p>
+                      <a:pPr algn="ctr">
+                        <a:lnSpc>
+                          <a:spcPct val="160000"/>
+                        </a:lnSpc>
+                        <a:buNone/>
+                      </a:pPr>
+                      <a:r>
+                        <a:rPr lang="" altLang="en-US" sz="1000" b="1">
+                          <a:solidFill>
+                            <a:srgbClr val="2C3E50"/>
+                          </a:solidFill>
+                        </a:rPr>
+                        <a:t>0</a:t>
+                      </a:r>
+                      <a:endParaRPr lang="" altLang="en-US" sz="1000" b="1">
+                        <a:solidFill>
+                          <a:srgbClr val="2C3E50"/>
+                        </a:solidFill>
+                      </a:endParaRPr>
+                    </a:p>
+                  </a:txBody>
+                  <a:tcPr>
+                    <a:lnL w="19050">
+                      <a:solidFill>
+                        <a:srgbClr val="2C3E50"/>
+                      </a:solidFill>
+                      <a:prstDash val="solid"/>
+                    </a:lnL>
+                    <a:lnR w="19050">
+                      <a:solidFill>
+                        <a:srgbClr val="2C3E50"/>
+                      </a:solidFill>
+                      <a:prstDash val="solid"/>
+                    </a:lnR>
+                    <a:lnT w="19050">
+                      <a:solidFill>
+                        <a:srgbClr val="2C3E50"/>
+                      </a:solidFill>
+                      <a:prstDash val="solid"/>
+                    </a:lnT>
+                    <a:lnB w="19050">
+                      <a:solidFill>
+                        <a:srgbClr val="2C3E50"/>
+                      </a:solidFill>
+                      <a:prstDash val="solid"/>
+                    </a:lnB>
+                  </a:tcPr>
+                </a:tc>
+                <a:tc>
+                  <a:txBody>
+                    <a:bodyPr/>
+                    <a:p>
+                      <a:pPr>
+                        <a:lnSpc>
+                          <a:spcPct val="160000"/>
+                        </a:lnSpc>
+                        <a:buNone/>
+                      </a:pPr>
+                      <a:r>
+                        <a:rPr lang="en-US" sz="1000" b="1">
+                          <a:solidFill>
+                            <a:srgbClr val="3EAF7C"/>
+                          </a:solidFill>
+                        </a:rPr>
+                        <a:t>HIGHMEM or NORMAL </a:t>
+                      </a:r>
+                      <a:endParaRPr lang="en-US" sz="1000" b="1">
+                        <a:solidFill>
+                          <a:srgbClr val="3EAF7C"/>
+                        </a:solidFill>
+                      </a:endParaRPr>
+                    </a:p>
+                  </a:txBody>
+                  <a:tcPr>
+                    <a:lnL w="19050">
+                      <a:solidFill>
+                        <a:srgbClr val="2C3E50"/>
+                      </a:solidFill>
+                      <a:prstDash val="solid"/>
+                    </a:lnL>
+                    <a:lnR w="19050">
+                      <a:solidFill>
+                        <a:srgbClr val="2C3E50"/>
+                      </a:solidFill>
+                      <a:prstDash val="solid"/>
+                    </a:lnR>
+                    <a:lnT w="19050">
+                      <a:solidFill>
+                        <a:srgbClr val="2C3E50"/>
+                      </a:solidFill>
+                      <a:prstDash val="solid"/>
+                    </a:lnT>
+                    <a:lnB w="19050">
+                      <a:solidFill>
+                        <a:srgbClr val="2C3E50"/>
+                      </a:solidFill>
+                      <a:prstDash val="solid"/>
+                    </a:lnB>
+                  </a:tcPr>
+                </a:tc>
+              </a:tr>
+              <a:tr h="382270">
+                <a:tc>
+                  <a:txBody>
+                    <a:bodyPr/>
+                    <a:p>
+                      <a:pPr algn="ctr">
+                        <a:lnSpc>
+                          <a:spcPct val="130000"/>
+                        </a:lnSpc>
+                        <a:buNone/>
+                      </a:pPr>
+                      <a:r>
+                        <a:rPr lang="en-US" sz="1400" b="1">
+                          <a:solidFill>
+                            <a:srgbClr val="3EAF7C"/>
+                          </a:solidFill>
+                        </a:rPr>
+                        <a:t>3</a:t>
+                      </a:r>
+                      <a:endParaRPr lang="en-US" sz="1400" b="1">
+                        <a:solidFill>
+                          <a:srgbClr val="3EAF7C"/>
+                        </a:solidFill>
+                      </a:endParaRPr>
+                    </a:p>
+                  </a:txBody>
+                  <a:tcPr>
+                    <a:lnL w="19050">
+                      <a:solidFill>
+                        <a:srgbClr val="2C3E50"/>
+                      </a:solidFill>
+                      <a:prstDash val="solid"/>
+                    </a:lnL>
+                    <a:lnR w="19050">
+                      <a:solidFill>
+                        <a:srgbClr val="2C3E50"/>
+                      </a:solidFill>
+                      <a:prstDash val="solid"/>
+                    </a:lnR>
+                    <a:lnT w="19050">
+                      <a:solidFill>
+                        <a:srgbClr val="2C3E50"/>
+                      </a:solidFill>
+                      <a:prstDash val="solid"/>
+                    </a:lnT>
+                    <a:lnB w="19050">
+                      <a:solidFill>
+                        <a:srgbClr val="2C3E50"/>
+                      </a:solidFill>
+                      <a:prstDash val="solid"/>
+                    </a:lnB>
+                  </a:tcPr>
+                </a:tc>
+                <a:tc>
+                  <a:txBody>
+                    <a:bodyPr/>
+                    <a:p>
+                      <a:pPr algn="ctr">
+                        <a:lnSpc>
+                          <a:spcPct val="160000"/>
+                        </a:lnSpc>
+                        <a:buNone/>
+                      </a:pPr>
+                      <a:r>
+                        <a:rPr lang="" altLang="en-US" sz="1000" b="1">
+                          <a:solidFill>
+                            <a:srgbClr val="2C3E50"/>
+                          </a:solidFill>
+                        </a:rPr>
+                        <a:t>0</a:t>
+                      </a:r>
+                      <a:endParaRPr lang="" altLang="en-US" sz="1000" b="1">
+                        <a:solidFill>
+                          <a:srgbClr val="2C3E50"/>
+                        </a:solidFill>
+                      </a:endParaRPr>
+                    </a:p>
+                  </a:txBody>
+                  <a:tcPr>
+                    <a:lnL w="19050">
+                      <a:solidFill>
+                        <a:srgbClr val="2C3E50"/>
+                      </a:solidFill>
+                      <a:prstDash val="solid"/>
+                    </a:lnL>
+                    <a:lnR w="19050">
+                      <a:solidFill>
+                        <a:srgbClr val="2C3E50"/>
+                      </a:solidFill>
+                      <a:prstDash val="solid"/>
+                    </a:lnR>
+                    <a:lnT w="19050">
+                      <a:solidFill>
+                        <a:srgbClr val="2C3E50"/>
+                      </a:solidFill>
+                      <a:prstDash val="solid"/>
+                    </a:lnT>
+                    <a:lnB w="19050">
+                      <a:solidFill>
+                        <a:srgbClr val="2C3E50"/>
+                      </a:solidFill>
+                      <a:prstDash val="solid"/>
+                    </a:lnB>
+                  </a:tcPr>
+                </a:tc>
+                <a:tc>
+                  <a:txBody>
+                    <a:bodyPr/>
+                    <a:p>
+                      <a:pPr algn="ctr">
+                        <a:lnSpc>
+                          <a:spcPct val="160000"/>
+                        </a:lnSpc>
+                        <a:buNone/>
+                      </a:pPr>
+                      <a:r>
+                        <a:rPr lang="" altLang="en-US" sz="1000" b="1">
+                          <a:solidFill>
+                            <a:srgbClr val="2C3E50"/>
+                          </a:solidFill>
+                        </a:rPr>
+                        <a:t>0</a:t>
+                      </a:r>
+                      <a:endParaRPr lang="" altLang="en-US" sz="1000" b="1">
+                        <a:solidFill>
+                          <a:srgbClr val="2C3E50"/>
+                        </a:solidFill>
+                      </a:endParaRPr>
+                    </a:p>
+                  </a:txBody>
+                  <a:tcPr>
+                    <a:lnL w="19050">
+                      <a:solidFill>
+                        <a:srgbClr val="2C3E50"/>
+                      </a:solidFill>
+                      <a:prstDash val="solid"/>
+                    </a:lnL>
+                    <a:lnR w="19050">
+                      <a:solidFill>
+                        <a:srgbClr val="2C3E50"/>
+                      </a:solidFill>
+                      <a:prstDash val="solid"/>
+                    </a:lnR>
+                    <a:lnT w="19050">
+                      <a:solidFill>
+                        <a:srgbClr val="2C3E50"/>
+                      </a:solidFill>
+                      <a:prstDash val="solid"/>
+                    </a:lnT>
+                    <a:lnB w="19050">
+                      <a:solidFill>
+                        <a:srgbClr val="2C3E50"/>
+                      </a:solidFill>
+                      <a:prstDash val="solid"/>
+                    </a:lnB>
+                  </a:tcPr>
+                </a:tc>
+                <a:tc>
+                  <a:txBody>
+                    <a:bodyPr/>
+                    <a:p>
+                      <a:pPr algn="ctr">
+                        <a:lnSpc>
+                          <a:spcPct val="160000"/>
+                        </a:lnSpc>
+                        <a:buNone/>
+                      </a:pPr>
+                      <a:r>
+                        <a:rPr lang="" altLang="en-US" sz="1000" b="1">
+                          <a:solidFill>
+                            <a:srgbClr val="2C3E50"/>
+                          </a:solidFill>
+                        </a:rPr>
+                        <a:t>1</a:t>
+                      </a:r>
+                      <a:endParaRPr lang="" altLang="en-US" sz="1000" b="1">
+                        <a:solidFill>
+                          <a:srgbClr val="2C3E50"/>
+                        </a:solidFill>
+                      </a:endParaRPr>
+                    </a:p>
+                  </a:txBody>
+                  <a:tcPr>
+                    <a:lnL w="19050">
+                      <a:solidFill>
+                        <a:srgbClr val="2C3E50"/>
+                      </a:solidFill>
+                      <a:prstDash val="solid"/>
+                    </a:lnL>
+                    <a:lnR w="19050">
+                      <a:solidFill>
+                        <a:srgbClr val="2C3E50"/>
+                      </a:solidFill>
+                      <a:prstDash val="solid"/>
+                    </a:lnR>
+                    <a:lnT w="19050">
+                      <a:solidFill>
+                        <a:srgbClr val="2C3E50"/>
+                      </a:solidFill>
+                      <a:prstDash val="solid"/>
+                    </a:lnT>
+                    <a:lnB w="19050">
+                      <a:solidFill>
+                        <a:srgbClr val="2C3E50"/>
+                      </a:solidFill>
+                      <a:prstDash val="solid"/>
+                    </a:lnB>
+                  </a:tcPr>
+                </a:tc>
+                <a:tc>
+                  <a:txBody>
+                    <a:bodyPr/>
+                    <a:p>
+                      <a:pPr algn="ctr">
+                        <a:lnSpc>
+                          <a:spcPct val="160000"/>
+                        </a:lnSpc>
+                        <a:buNone/>
+                      </a:pPr>
+                      <a:r>
+                        <a:rPr lang="" altLang="en-US" sz="1000" b="1">
+                          <a:solidFill>
+                            <a:srgbClr val="2C3E50"/>
+                          </a:solidFill>
+                        </a:rPr>
+                        <a:t>1</a:t>
+                      </a:r>
+                      <a:endParaRPr lang="" altLang="en-US" sz="1000" b="1">
+                        <a:solidFill>
+                          <a:srgbClr val="2C3E50"/>
+                        </a:solidFill>
+                      </a:endParaRPr>
+                    </a:p>
+                  </a:txBody>
+                  <a:tcPr>
+                    <a:lnL w="19050">
+                      <a:solidFill>
+                        <a:srgbClr val="2C3E50"/>
+                      </a:solidFill>
+                      <a:prstDash val="solid"/>
+                    </a:lnL>
+                    <a:lnR w="19050">
+                      <a:solidFill>
+                        <a:srgbClr val="2C3E50"/>
+                      </a:solidFill>
+                      <a:prstDash val="solid"/>
+                    </a:lnR>
+                    <a:lnT w="19050">
+                      <a:solidFill>
+                        <a:srgbClr val="2C3E50"/>
+                      </a:solidFill>
+                      <a:prstDash val="solid"/>
+                    </a:lnT>
+                    <a:lnB w="19050">
+                      <a:solidFill>
+                        <a:srgbClr val="2C3E50"/>
+                      </a:solidFill>
+                      <a:prstDash val="solid"/>
+                    </a:lnB>
+                  </a:tcPr>
+                </a:tc>
+                <a:tc>
+                  <a:txBody>
+                    <a:bodyPr/>
+                    <a:p>
+                      <a:pPr>
+                        <a:lnSpc>
+                          <a:spcPct val="160000"/>
+                        </a:lnSpc>
+                        <a:buNone/>
+                      </a:pPr>
+                      <a:r>
+                        <a:rPr lang="en-US" sz="1000" b="1">
+                          <a:solidFill>
+                            <a:srgbClr val="2C3E50"/>
+                          </a:solidFill>
+                        </a:rPr>
+                        <a:t>BAD (DMA+HIGHMEM)      </a:t>
+                      </a:r>
+                      <a:endParaRPr lang="en-US" sz="1000" b="1">
+                        <a:solidFill>
+                          <a:srgbClr val="2C3E50"/>
+                        </a:solidFill>
+                      </a:endParaRPr>
+                    </a:p>
+                  </a:txBody>
+                  <a:tcPr>
+                    <a:lnL w="19050">
+                      <a:solidFill>
+                        <a:srgbClr val="2C3E50"/>
+                      </a:solidFill>
+                      <a:prstDash val="solid"/>
+                    </a:lnL>
+                    <a:lnR w="19050">
+                      <a:solidFill>
+                        <a:srgbClr val="2C3E50"/>
+                      </a:solidFill>
+                      <a:prstDash val="solid"/>
+                    </a:lnR>
+                    <a:lnT w="19050">
+                      <a:solidFill>
+                        <a:srgbClr val="2C3E50"/>
+                      </a:solidFill>
+                      <a:prstDash val="solid"/>
+                    </a:lnT>
+                    <a:lnB w="19050">
+                      <a:solidFill>
+                        <a:srgbClr val="2C3E50"/>
+                      </a:solidFill>
+                      <a:prstDash val="solid"/>
+                    </a:lnB>
+                  </a:tcPr>
+                </a:tc>
+              </a:tr>
+              <a:tr h="381635">
+                <a:tc>
+                  <a:txBody>
+                    <a:bodyPr/>
+                    <a:p>
+                      <a:pPr algn="ctr">
+                        <a:lnSpc>
+                          <a:spcPct val="130000"/>
+                        </a:lnSpc>
+                        <a:buNone/>
+                      </a:pPr>
+                      <a:r>
+                        <a:rPr lang="en-US" sz="1400" b="1">
+                          <a:solidFill>
+                            <a:srgbClr val="3EAF7C"/>
+                          </a:solidFill>
+                        </a:rPr>
+                        <a:t>4</a:t>
+                      </a:r>
+                      <a:endParaRPr lang="en-US" sz="1400" b="1">
+                        <a:solidFill>
+                          <a:srgbClr val="3EAF7C"/>
+                        </a:solidFill>
+                      </a:endParaRPr>
+                    </a:p>
+                  </a:txBody>
+                  <a:tcPr>
+                    <a:lnL w="19050">
+                      <a:solidFill>
+                        <a:srgbClr val="2C3E50"/>
+                      </a:solidFill>
+                      <a:prstDash val="solid"/>
+                    </a:lnL>
+                    <a:lnR w="19050">
+                      <a:solidFill>
+                        <a:srgbClr val="2C3E50"/>
+                      </a:solidFill>
+                      <a:prstDash val="solid"/>
+                    </a:lnR>
+                    <a:lnT w="19050">
+                      <a:solidFill>
+                        <a:srgbClr val="2C3E50"/>
+                      </a:solidFill>
+                      <a:prstDash val="solid"/>
+                    </a:lnT>
+                    <a:lnB w="19050">
+                      <a:solidFill>
+                        <a:srgbClr val="2C3E50"/>
+                      </a:solidFill>
+                      <a:prstDash val="solid"/>
+                    </a:lnB>
+                  </a:tcPr>
+                </a:tc>
+                <a:tc>
+                  <a:txBody>
+                    <a:bodyPr/>
+                    <a:p>
+                      <a:pPr algn="ctr">
+                        <a:lnSpc>
+                          <a:spcPct val="160000"/>
+                        </a:lnSpc>
+                        <a:buNone/>
+                      </a:pPr>
+                      <a:r>
+                        <a:rPr lang="" altLang="en-US" sz="1000" b="1">
+                          <a:solidFill>
+                            <a:srgbClr val="2C3E50"/>
+                          </a:solidFill>
+                        </a:rPr>
+                        <a:t>0</a:t>
+                      </a:r>
+                      <a:endParaRPr lang="" altLang="en-US" sz="1000" b="1">
+                        <a:solidFill>
+                          <a:srgbClr val="2C3E50"/>
+                        </a:solidFill>
+                      </a:endParaRPr>
+                    </a:p>
+                  </a:txBody>
+                  <a:tcPr>
+                    <a:lnL w="19050">
+                      <a:solidFill>
+                        <a:srgbClr val="2C3E50"/>
+                      </a:solidFill>
+                      <a:prstDash val="solid"/>
+                    </a:lnL>
+                    <a:lnR w="19050">
+                      <a:solidFill>
+                        <a:srgbClr val="2C3E50"/>
+                      </a:solidFill>
+                      <a:prstDash val="solid"/>
+                    </a:lnR>
+                    <a:lnT w="19050">
+                      <a:solidFill>
+                        <a:srgbClr val="2C3E50"/>
+                      </a:solidFill>
+                      <a:prstDash val="solid"/>
+                    </a:lnT>
+                    <a:lnB w="19050">
+                      <a:solidFill>
+                        <a:srgbClr val="2C3E50"/>
+                      </a:solidFill>
+                      <a:prstDash val="solid"/>
+                    </a:lnB>
+                  </a:tcPr>
+                </a:tc>
+                <a:tc>
+                  <a:txBody>
+                    <a:bodyPr/>
+                    <a:p>
+                      <a:pPr algn="ctr">
+                        <a:lnSpc>
+                          <a:spcPct val="160000"/>
+                        </a:lnSpc>
+                        <a:buNone/>
+                      </a:pPr>
+                      <a:r>
+                        <a:rPr lang="" altLang="en-US" sz="1000" b="1">
+                          <a:solidFill>
+                            <a:srgbClr val="2C3E50"/>
+                          </a:solidFill>
+                        </a:rPr>
+                        <a:t>1</a:t>
+                      </a:r>
+                      <a:endParaRPr lang="" altLang="en-US" sz="1000" b="1">
+                        <a:solidFill>
+                          <a:srgbClr val="2C3E50"/>
+                        </a:solidFill>
+                      </a:endParaRPr>
+                    </a:p>
+                  </a:txBody>
+                  <a:tcPr>
+                    <a:lnL w="19050">
+                      <a:solidFill>
+                        <a:srgbClr val="2C3E50"/>
+                      </a:solidFill>
+                      <a:prstDash val="solid"/>
+                    </a:lnL>
+                    <a:lnR w="19050">
+                      <a:solidFill>
+                        <a:srgbClr val="2C3E50"/>
+                      </a:solidFill>
+                      <a:prstDash val="solid"/>
+                    </a:lnR>
+                    <a:lnT w="19050">
+                      <a:solidFill>
+                        <a:srgbClr val="2C3E50"/>
+                      </a:solidFill>
+                      <a:prstDash val="solid"/>
+                    </a:lnT>
+                    <a:lnB w="19050">
+                      <a:solidFill>
+                        <a:srgbClr val="2C3E50"/>
+                      </a:solidFill>
+                      <a:prstDash val="solid"/>
+                    </a:lnB>
+                  </a:tcPr>
+                </a:tc>
+                <a:tc>
+                  <a:txBody>
+                    <a:bodyPr/>
+                    <a:p>
+                      <a:pPr algn="ctr">
+                        <a:lnSpc>
+                          <a:spcPct val="160000"/>
+                        </a:lnSpc>
+                        <a:buNone/>
+                      </a:pPr>
+                      <a:r>
+                        <a:rPr lang="" altLang="en-US" sz="1000" b="1">
+                          <a:solidFill>
+                            <a:srgbClr val="2C3E50"/>
+                          </a:solidFill>
+                        </a:rPr>
+                        <a:t>0</a:t>
+                      </a:r>
+                      <a:endParaRPr lang="" altLang="en-US" sz="1000" b="1">
+                        <a:solidFill>
+                          <a:srgbClr val="2C3E50"/>
+                        </a:solidFill>
+                      </a:endParaRPr>
+                    </a:p>
+                  </a:txBody>
+                  <a:tcPr>
+                    <a:lnL w="19050">
+                      <a:solidFill>
+                        <a:srgbClr val="2C3E50"/>
+                      </a:solidFill>
+                      <a:prstDash val="solid"/>
+                    </a:lnL>
+                    <a:lnR w="19050">
+                      <a:solidFill>
+                        <a:srgbClr val="2C3E50"/>
+                      </a:solidFill>
+                      <a:prstDash val="solid"/>
+                    </a:lnR>
+                    <a:lnT w="19050">
+                      <a:solidFill>
+                        <a:srgbClr val="2C3E50"/>
+                      </a:solidFill>
+                      <a:prstDash val="solid"/>
+                    </a:lnT>
+                    <a:lnB w="19050">
+                      <a:solidFill>
+                        <a:srgbClr val="2C3E50"/>
+                      </a:solidFill>
+                      <a:prstDash val="solid"/>
+                    </a:lnB>
+                  </a:tcPr>
+                </a:tc>
+                <a:tc>
+                  <a:txBody>
+                    <a:bodyPr/>
+                    <a:p>
+                      <a:pPr algn="ctr">
+                        <a:lnSpc>
+                          <a:spcPct val="160000"/>
+                        </a:lnSpc>
+                        <a:buNone/>
+                      </a:pPr>
+                      <a:r>
+                        <a:rPr lang="" altLang="en-US" sz="1000" b="1">
+                          <a:solidFill>
+                            <a:srgbClr val="2C3E50"/>
+                          </a:solidFill>
+                        </a:rPr>
+                        <a:t>0</a:t>
+                      </a:r>
+                      <a:endParaRPr lang="" altLang="en-US" sz="1000" b="1">
+                        <a:solidFill>
+                          <a:srgbClr val="2C3E50"/>
+                        </a:solidFill>
+                      </a:endParaRPr>
+                    </a:p>
+                  </a:txBody>
+                  <a:tcPr>
+                    <a:lnL w="19050">
+                      <a:solidFill>
+                        <a:srgbClr val="2C3E50"/>
+                      </a:solidFill>
+                      <a:prstDash val="solid"/>
+                    </a:lnL>
+                    <a:lnR w="19050">
+                      <a:solidFill>
+                        <a:srgbClr val="2C3E50"/>
+                      </a:solidFill>
+                      <a:prstDash val="solid"/>
+                    </a:lnR>
+                    <a:lnT w="19050">
+                      <a:solidFill>
+                        <a:srgbClr val="2C3E50"/>
+                      </a:solidFill>
+                      <a:prstDash val="solid"/>
+                    </a:lnT>
+                    <a:lnB w="19050">
+                      <a:solidFill>
+                        <a:srgbClr val="2C3E50"/>
+                      </a:solidFill>
+                      <a:prstDash val="solid"/>
+                    </a:lnB>
+                  </a:tcPr>
+                </a:tc>
+                <a:tc>
+                  <a:txBody>
+                    <a:bodyPr/>
+                    <a:p>
+                      <a:pPr>
+                        <a:lnSpc>
+                          <a:spcPct val="160000"/>
+                        </a:lnSpc>
+                        <a:buNone/>
+                      </a:pPr>
+                      <a:r>
+                        <a:rPr lang="en-US" sz="1000" b="1">
+                          <a:solidFill>
+                            <a:srgbClr val="3EAF7C"/>
+                          </a:solidFill>
+                        </a:rPr>
+                        <a:t>DMA32 or NORMAL</a:t>
+                      </a:r>
+                      <a:endParaRPr lang="en-US" sz="1000" b="1">
+                        <a:solidFill>
+                          <a:srgbClr val="3EAF7C"/>
+                        </a:solidFill>
+                      </a:endParaRPr>
+                    </a:p>
+                  </a:txBody>
+                  <a:tcPr>
+                    <a:lnL w="19050">
+                      <a:solidFill>
+                        <a:srgbClr val="2C3E50"/>
+                      </a:solidFill>
+                      <a:prstDash val="solid"/>
+                    </a:lnL>
+                    <a:lnR w="19050">
+                      <a:solidFill>
+                        <a:srgbClr val="2C3E50"/>
+                      </a:solidFill>
+                      <a:prstDash val="solid"/>
+                    </a:lnR>
+                    <a:lnT w="19050">
+                      <a:solidFill>
+                        <a:srgbClr val="2C3E50"/>
+                      </a:solidFill>
+                      <a:prstDash val="solid"/>
+                    </a:lnT>
+                    <a:lnB w="19050">
+                      <a:solidFill>
+                        <a:srgbClr val="2C3E50"/>
+                      </a:solidFill>
+                      <a:prstDash val="solid"/>
+                    </a:lnB>
+                  </a:tcPr>
+                </a:tc>
+              </a:tr>
+              <a:tr h="382270">
+                <a:tc>
+                  <a:txBody>
+                    <a:bodyPr/>
+                    <a:p>
+                      <a:pPr algn="ctr">
+                        <a:lnSpc>
+                          <a:spcPct val="130000"/>
+                        </a:lnSpc>
+                        <a:buNone/>
+                      </a:pPr>
+                      <a:r>
+                        <a:rPr lang="en-US" sz="1400" b="1">
+                          <a:solidFill>
+                            <a:srgbClr val="3EAF7C"/>
+                          </a:solidFill>
+                        </a:rPr>
+                        <a:t>5</a:t>
+                      </a:r>
+                      <a:endParaRPr lang="en-US" sz="1400" b="1">
+                        <a:solidFill>
+                          <a:srgbClr val="3EAF7C"/>
+                        </a:solidFill>
+                      </a:endParaRPr>
+                    </a:p>
+                  </a:txBody>
+                  <a:tcPr>
+                    <a:lnL w="19050">
+                      <a:solidFill>
+                        <a:srgbClr val="2C3E50"/>
+                      </a:solidFill>
+                      <a:prstDash val="solid"/>
+                    </a:lnL>
+                    <a:lnR w="19050">
+                      <a:solidFill>
+                        <a:srgbClr val="2C3E50"/>
+                      </a:solidFill>
+                      <a:prstDash val="solid"/>
+                    </a:lnR>
+                    <a:lnT w="19050">
+                      <a:solidFill>
+                        <a:srgbClr val="2C3E50"/>
+                      </a:solidFill>
+                      <a:prstDash val="solid"/>
+                    </a:lnT>
+                    <a:lnB w="19050">
+                      <a:solidFill>
+                        <a:srgbClr val="2C3E50"/>
+                      </a:solidFill>
+                      <a:prstDash val="solid"/>
+                    </a:lnB>
+                  </a:tcPr>
+                </a:tc>
+                <a:tc>
+                  <a:txBody>
+                    <a:bodyPr/>
+                    <a:p>
+                      <a:pPr algn="ctr">
+                        <a:lnSpc>
+                          <a:spcPct val="160000"/>
+                        </a:lnSpc>
+                        <a:buNone/>
+                      </a:pPr>
+                      <a:r>
+                        <a:rPr lang="" altLang="en-US" sz="1000" b="1">
+                          <a:solidFill>
+                            <a:srgbClr val="2C3E50"/>
+                          </a:solidFill>
+                        </a:rPr>
+                        <a:t>0</a:t>
+                      </a:r>
+                      <a:endParaRPr lang="" altLang="en-US" sz="1000" b="1">
+                        <a:solidFill>
+                          <a:srgbClr val="2C3E50"/>
+                        </a:solidFill>
+                      </a:endParaRPr>
+                    </a:p>
+                  </a:txBody>
+                  <a:tcPr>
+                    <a:lnL w="19050">
+                      <a:solidFill>
+                        <a:srgbClr val="2C3E50"/>
+                      </a:solidFill>
+                      <a:prstDash val="solid"/>
+                    </a:lnL>
+                    <a:lnR w="19050">
+                      <a:solidFill>
+                        <a:srgbClr val="2C3E50"/>
+                      </a:solidFill>
+                      <a:prstDash val="solid"/>
+                    </a:lnR>
+                    <a:lnT w="19050">
+                      <a:solidFill>
+                        <a:srgbClr val="2C3E50"/>
+                      </a:solidFill>
+                      <a:prstDash val="solid"/>
+                    </a:lnT>
+                    <a:lnB w="19050">
+                      <a:solidFill>
+                        <a:srgbClr val="2C3E50"/>
+                      </a:solidFill>
+                      <a:prstDash val="solid"/>
+                    </a:lnB>
+                  </a:tcPr>
+                </a:tc>
+                <a:tc>
+                  <a:txBody>
+                    <a:bodyPr/>
+                    <a:p>
+                      <a:pPr algn="ctr">
+                        <a:lnSpc>
+                          <a:spcPct val="160000"/>
+                        </a:lnSpc>
+                        <a:buNone/>
+                      </a:pPr>
+                      <a:r>
+                        <a:rPr lang="" altLang="en-US" sz="1000" b="1">
+                          <a:solidFill>
+                            <a:srgbClr val="2C3E50"/>
+                          </a:solidFill>
+                        </a:rPr>
+                        <a:t>1</a:t>
+                      </a:r>
+                      <a:endParaRPr lang="" altLang="en-US" sz="1000" b="1">
+                        <a:solidFill>
+                          <a:srgbClr val="2C3E50"/>
+                        </a:solidFill>
+                      </a:endParaRPr>
+                    </a:p>
+                  </a:txBody>
+                  <a:tcPr>
+                    <a:lnL w="19050">
+                      <a:solidFill>
+                        <a:srgbClr val="2C3E50"/>
+                      </a:solidFill>
+                      <a:prstDash val="solid"/>
+                    </a:lnL>
+                    <a:lnR w="19050">
+                      <a:solidFill>
+                        <a:srgbClr val="2C3E50"/>
+                      </a:solidFill>
+                      <a:prstDash val="solid"/>
+                    </a:lnR>
+                    <a:lnT w="19050">
+                      <a:solidFill>
+                        <a:srgbClr val="2C3E50"/>
+                      </a:solidFill>
+                      <a:prstDash val="solid"/>
+                    </a:lnT>
+                    <a:lnB w="19050">
+                      <a:solidFill>
+                        <a:srgbClr val="2C3E50"/>
+                      </a:solidFill>
+                      <a:prstDash val="solid"/>
+                    </a:lnB>
+                  </a:tcPr>
+                </a:tc>
+                <a:tc>
+                  <a:txBody>
+                    <a:bodyPr/>
+                    <a:p>
+                      <a:pPr algn="ctr">
+                        <a:lnSpc>
+                          <a:spcPct val="160000"/>
+                        </a:lnSpc>
+                        <a:buNone/>
+                      </a:pPr>
+                      <a:r>
+                        <a:rPr lang="" altLang="en-US" sz="1000" b="1">
+                          <a:solidFill>
+                            <a:srgbClr val="2C3E50"/>
+                          </a:solidFill>
+                        </a:rPr>
+                        <a:t>0</a:t>
+                      </a:r>
+                      <a:endParaRPr lang="" altLang="en-US" sz="1000" b="1">
+                        <a:solidFill>
+                          <a:srgbClr val="2C3E50"/>
+                        </a:solidFill>
+                      </a:endParaRPr>
+                    </a:p>
+                  </a:txBody>
+                  <a:tcPr>
+                    <a:lnL w="19050">
+                      <a:solidFill>
+                        <a:srgbClr val="2C3E50"/>
+                      </a:solidFill>
+                      <a:prstDash val="solid"/>
+                    </a:lnL>
+                    <a:lnR w="19050">
+                      <a:solidFill>
+                        <a:srgbClr val="2C3E50"/>
+                      </a:solidFill>
+                      <a:prstDash val="solid"/>
+                    </a:lnR>
+                    <a:lnT w="19050">
+                      <a:solidFill>
+                        <a:srgbClr val="2C3E50"/>
+                      </a:solidFill>
+                      <a:prstDash val="solid"/>
+                    </a:lnT>
+                    <a:lnB w="19050">
+                      <a:solidFill>
+                        <a:srgbClr val="2C3E50"/>
+                      </a:solidFill>
+                      <a:prstDash val="solid"/>
+                    </a:lnB>
+                  </a:tcPr>
+                </a:tc>
+                <a:tc>
+                  <a:txBody>
+                    <a:bodyPr/>
+                    <a:p>
+                      <a:pPr algn="ctr">
+                        <a:lnSpc>
+                          <a:spcPct val="160000"/>
+                        </a:lnSpc>
+                        <a:buNone/>
+                      </a:pPr>
+                      <a:r>
+                        <a:rPr lang="" altLang="en-US" sz="1000" b="1">
+                          <a:solidFill>
+                            <a:srgbClr val="2C3E50"/>
+                          </a:solidFill>
+                        </a:rPr>
+                        <a:t>1</a:t>
+                      </a:r>
+                      <a:endParaRPr lang="" altLang="en-US" sz="1000" b="1">
+                        <a:solidFill>
+                          <a:srgbClr val="2C3E50"/>
+                        </a:solidFill>
+                      </a:endParaRPr>
+                    </a:p>
+                  </a:txBody>
+                  <a:tcPr>
+                    <a:lnL w="19050">
+                      <a:solidFill>
+                        <a:srgbClr val="2C3E50"/>
+                      </a:solidFill>
+                      <a:prstDash val="solid"/>
+                    </a:lnL>
+                    <a:lnR w="19050">
+                      <a:solidFill>
+                        <a:srgbClr val="2C3E50"/>
+                      </a:solidFill>
+                      <a:prstDash val="solid"/>
+                    </a:lnR>
+                    <a:lnT w="19050">
+                      <a:solidFill>
+                        <a:srgbClr val="2C3E50"/>
+                      </a:solidFill>
+                      <a:prstDash val="solid"/>
+                    </a:lnT>
+                    <a:lnB w="19050">
+                      <a:solidFill>
+                        <a:srgbClr val="2C3E50"/>
+                      </a:solidFill>
+                      <a:prstDash val="solid"/>
+                    </a:lnB>
+                  </a:tcPr>
+                </a:tc>
+                <a:tc>
+                  <a:txBody>
+                    <a:bodyPr/>
+                    <a:p>
+                      <a:pPr>
+                        <a:lnSpc>
+                          <a:spcPct val="160000"/>
+                        </a:lnSpc>
+                        <a:buNone/>
+                      </a:pPr>
+                      <a:r>
+                        <a:rPr lang="en-US" sz="1000" b="1">
+                          <a:solidFill>
+                            <a:srgbClr val="2C3E50"/>
+                          </a:solidFill>
+                        </a:rPr>
+                        <a:t>BAD (DMA+DMA32)   </a:t>
+                      </a:r>
+                      <a:endParaRPr lang="en-US" sz="1000" b="1">
+                        <a:solidFill>
+                          <a:srgbClr val="2C3E50"/>
+                        </a:solidFill>
+                      </a:endParaRPr>
+                    </a:p>
+                  </a:txBody>
+                  <a:tcPr>
+                    <a:lnL w="19050">
+                      <a:solidFill>
+                        <a:srgbClr val="2C3E50"/>
+                      </a:solidFill>
+                      <a:prstDash val="solid"/>
+                    </a:lnL>
+                    <a:lnR w="19050">
+                      <a:solidFill>
+                        <a:srgbClr val="2C3E50"/>
+                      </a:solidFill>
+                      <a:prstDash val="solid"/>
+                    </a:lnR>
+                    <a:lnT w="19050">
+                      <a:solidFill>
+                        <a:srgbClr val="2C3E50"/>
+                      </a:solidFill>
+                      <a:prstDash val="solid"/>
+                    </a:lnT>
+                    <a:lnB w="19050">
+                      <a:solidFill>
+                        <a:srgbClr val="2C3E50"/>
+                      </a:solidFill>
+                      <a:prstDash val="solid"/>
+                    </a:lnB>
+                  </a:tcPr>
+                </a:tc>
+              </a:tr>
+              <a:tr h="381635">
+                <a:tc>
+                  <a:txBody>
+                    <a:bodyPr/>
+                    <a:p>
+                      <a:pPr algn="ctr">
+                        <a:lnSpc>
+                          <a:spcPct val="130000"/>
+                        </a:lnSpc>
+                        <a:buNone/>
+                      </a:pPr>
+                      <a:r>
+                        <a:rPr lang="en-US" sz="1400" b="1">
+                          <a:solidFill>
+                            <a:srgbClr val="3EAF7C"/>
+                          </a:solidFill>
+                        </a:rPr>
+                        <a:t>6</a:t>
+                      </a:r>
+                      <a:endParaRPr lang="en-US" sz="1400" b="1">
+                        <a:solidFill>
+                          <a:srgbClr val="3EAF7C"/>
+                        </a:solidFill>
+                      </a:endParaRPr>
+                    </a:p>
+                  </a:txBody>
+                  <a:tcPr>
+                    <a:lnL w="19050">
+                      <a:solidFill>
+                        <a:srgbClr val="2C3E50"/>
+                      </a:solidFill>
+                      <a:prstDash val="solid"/>
+                    </a:lnL>
+                    <a:lnR w="19050">
+                      <a:solidFill>
+                        <a:srgbClr val="2C3E50"/>
+                      </a:solidFill>
+                      <a:prstDash val="solid"/>
+                    </a:lnR>
+                    <a:lnT w="19050">
+                      <a:solidFill>
+                        <a:srgbClr val="2C3E50"/>
+                      </a:solidFill>
+                      <a:prstDash val="solid"/>
+                    </a:lnT>
+                    <a:lnB w="19050">
+                      <a:solidFill>
+                        <a:srgbClr val="2C3E50"/>
+                      </a:solidFill>
+                      <a:prstDash val="solid"/>
+                    </a:lnB>
+                  </a:tcPr>
+                </a:tc>
+                <a:tc>
+                  <a:txBody>
+                    <a:bodyPr/>
+                    <a:p>
+                      <a:pPr algn="ctr">
+                        <a:lnSpc>
+                          <a:spcPct val="160000"/>
+                        </a:lnSpc>
+                        <a:buNone/>
+                      </a:pPr>
+                      <a:r>
+                        <a:rPr lang="" altLang="en-US" sz="1000" b="1">
+                          <a:solidFill>
+                            <a:srgbClr val="2C3E50"/>
+                          </a:solidFill>
+                        </a:rPr>
+                        <a:t>0</a:t>
+                      </a:r>
+                      <a:endParaRPr lang="" altLang="en-US" sz="1000" b="1">
+                        <a:solidFill>
+                          <a:srgbClr val="2C3E50"/>
+                        </a:solidFill>
+                      </a:endParaRPr>
+                    </a:p>
+                  </a:txBody>
+                  <a:tcPr>
+                    <a:lnL w="19050">
+                      <a:solidFill>
+                        <a:srgbClr val="2C3E50"/>
+                      </a:solidFill>
+                      <a:prstDash val="solid"/>
+                    </a:lnL>
+                    <a:lnR w="19050">
+                      <a:solidFill>
+                        <a:srgbClr val="2C3E50"/>
+                      </a:solidFill>
+                      <a:prstDash val="solid"/>
+                    </a:lnR>
+                    <a:lnT w="19050">
+                      <a:solidFill>
+                        <a:srgbClr val="2C3E50"/>
+                      </a:solidFill>
+                      <a:prstDash val="solid"/>
+                    </a:lnT>
+                    <a:lnB w="19050">
+                      <a:solidFill>
+                        <a:srgbClr val="2C3E50"/>
+                      </a:solidFill>
+                      <a:prstDash val="solid"/>
+                    </a:lnB>
+                  </a:tcPr>
+                </a:tc>
+                <a:tc>
+                  <a:txBody>
+                    <a:bodyPr/>
+                    <a:p>
+                      <a:pPr algn="ctr">
+                        <a:lnSpc>
+                          <a:spcPct val="160000"/>
+                        </a:lnSpc>
+                        <a:buNone/>
+                      </a:pPr>
+                      <a:r>
+                        <a:rPr lang="" altLang="en-US" sz="1000" b="1">
+                          <a:solidFill>
+                            <a:srgbClr val="2C3E50"/>
+                          </a:solidFill>
+                        </a:rPr>
+                        <a:t>1</a:t>
+                      </a:r>
+                      <a:endParaRPr lang="" altLang="en-US" sz="1000" b="1">
+                        <a:solidFill>
+                          <a:srgbClr val="2C3E50"/>
+                        </a:solidFill>
+                      </a:endParaRPr>
+                    </a:p>
+                  </a:txBody>
+                  <a:tcPr>
+                    <a:lnL w="19050">
+                      <a:solidFill>
+                        <a:srgbClr val="2C3E50"/>
+                      </a:solidFill>
+                      <a:prstDash val="solid"/>
+                    </a:lnL>
+                    <a:lnR w="19050">
+                      <a:solidFill>
+                        <a:srgbClr val="2C3E50"/>
+                      </a:solidFill>
+                      <a:prstDash val="solid"/>
+                    </a:lnR>
+                    <a:lnT w="19050">
+                      <a:solidFill>
+                        <a:srgbClr val="2C3E50"/>
+                      </a:solidFill>
+                      <a:prstDash val="solid"/>
+                    </a:lnT>
+                    <a:lnB w="19050">
+                      <a:solidFill>
+                        <a:srgbClr val="2C3E50"/>
+                      </a:solidFill>
+                      <a:prstDash val="solid"/>
+                    </a:lnB>
+                  </a:tcPr>
+                </a:tc>
+                <a:tc>
+                  <a:txBody>
+                    <a:bodyPr/>
+                    <a:p>
+                      <a:pPr algn="ctr">
+                        <a:lnSpc>
+                          <a:spcPct val="160000"/>
+                        </a:lnSpc>
+                        <a:buNone/>
+                      </a:pPr>
+                      <a:r>
+                        <a:rPr lang="" altLang="en-US" sz="1000" b="1">
+                          <a:solidFill>
+                            <a:srgbClr val="2C3E50"/>
+                          </a:solidFill>
+                        </a:rPr>
+                        <a:t>1</a:t>
+                      </a:r>
+                      <a:endParaRPr lang="" altLang="en-US" sz="1000" b="1">
+                        <a:solidFill>
+                          <a:srgbClr val="2C3E50"/>
+                        </a:solidFill>
+                      </a:endParaRPr>
+                    </a:p>
+                  </a:txBody>
+                  <a:tcPr>
+                    <a:lnL w="19050">
+                      <a:solidFill>
+                        <a:srgbClr val="2C3E50"/>
+                      </a:solidFill>
+                      <a:prstDash val="solid"/>
+                    </a:lnL>
+                    <a:lnR w="19050">
+                      <a:solidFill>
+                        <a:srgbClr val="2C3E50"/>
+                      </a:solidFill>
+                      <a:prstDash val="solid"/>
+                    </a:lnR>
+                    <a:lnT w="19050">
+                      <a:solidFill>
+                        <a:srgbClr val="2C3E50"/>
+                      </a:solidFill>
+                      <a:prstDash val="solid"/>
+                    </a:lnT>
+                    <a:lnB w="19050">
+                      <a:solidFill>
+                        <a:srgbClr val="2C3E50"/>
+                      </a:solidFill>
+                      <a:prstDash val="solid"/>
+                    </a:lnB>
+                  </a:tcPr>
+                </a:tc>
+                <a:tc>
+                  <a:txBody>
+                    <a:bodyPr/>
+                    <a:p>
+                      <a:pPr algn="ctr">
+                        <a:lnSpc>
+                          <a:spcPct val="160000"/>
+                        </a:lnSpc>
+                        <a:buNone/>
+                      </a:pPr>
+                      <a:r>
+                        <a:rPr lang="" altLang="en-US" sz="1000" b="1">
+                          <a:solidFill>
+                            <a:srgbClr val="2C3E50"/>
+                          </a:solidFill>
+                        </a:rPr>
+                        <a:t>0</a:t>
+                      </a:r>
+                      <a:endParaRPr lang="" altLang="en-US" sz="1000" b="1">
+                        <a:solidFill>
+                          <a:srgbClr val="2C3E50"/>
+                        </a:solidFill>
+                      </a:endParaRPr>
+                    </a:p>
+                  </a:txBody>
+                  <a:tcPr>
+                    <a:lnL w="19050">
+                      <a:solidFill>
+                        <a:srgbClr val="2C3E50"/>
+                      </a:solidFill>
+                      <a:prstDash val="solid"/>
+                    </a:lnL>
+                    <a:lnR w="19050">
+                      <a:solidFill>
+                        <a:srgbClr val="2C3E50"/>
+                      </a:solidFill>
+                      <a:prstDash val="solid"/>
+                    </a:lnR>
+                    <a:lnT w="19050">
+                      <a:solidFill>
+                        <a:srgbClr val="2C3E50"/>
+                      </a:solidFill>
+                      <a:prstDash val="solid"/>
+                    </a:lnT>
+                    <a:lnB w="19050">
+                      <a:solidFill>
+                        <a:srgbClr val="2C3E50"/>
+                      </a:solidFill>
+                      <a:prstDash val="solid"/>
+                    </a:lnB>
+                  </a:tcPr>
+                </a:tc>
+                <a:tc>
+                  <a:txBody>
+                    <a:bodyPr/>
+                    <a:p>
+                      <a:pPr>
+                        <a:lnSpc>
+                          <a:spcPct val="160000"/>
+                        </a:lnSpc>
+                        <a:buNone/>
+                      </a:pPr>
+                      <a:r>
+                        <a:rPr lang="en-US" sz="1000" b="1">
+                          <a:solidFill>
+                            <a:srgbClr val="2C3E50"/>
+                          </a:solidFill>
+                        </a:rPr>
+                        <a:t>BAD (HIGHMEM+DMA32)</a:t>
+                      </a:r>
+                      <a:endParaRPr lang="en-US" sz="1000" b="1">
+                        <a:solidFill>
+                          <a:srgbClr val="2C3E50"/>
+                        </a:solidFill>
+                      </a:endParaRPr>
+                    </a:p>
+                  </a:txBody>
+                  <a:tcPr>
+                    <a:lnL w="19050">
+                      <a:solidFill>
+                        <a:srgbClr val="2C3E50"/>
+                      </a:solidFill>
+                      <a:prstDash val="solid"/>
+                    </a:lnL>
+                    <a:lnR w="19050">
+                      <a:solidFill>
+                        <a:srgbClr val="2C3E50"/>
+                      </a:solidFill>
+                      <a:prstDash val="solid"/>
+                    </a:lnR>
+                    <a:lnT w="19050">
+                      <a:solidFill>
+                        <a:srgbClr val="2C3E50"/>
+                      </a:solidFill>
+                      <a:prstDash val="solid"/>
+                    </a:lnT>
+                    <a:lnB w="19050">
+                      <a:solidFill>
+                        <a:srgbClr val="2C3E50"/>
+                      </a:solidFill>
+                      <a:prstDash val="solid"/>
+                    </a:lnB>
+                  </a:tcPr>
+                </a:tc>
+              </a:tr>
+              <a:tr h="382270">
+                <a:tc>
+                  <a:txBody>
+                    <a:bodyPr/>
+                    <a:p>
+                      <a:pPr algn="ctr">
+                        <a:lnSpc>
+                          <a:spcPct val="130000"/>
+                        </a:lnSpc>
+                        <a:buNone/>
+                      </a:pPr>
+                      <a:r>
+                        <a:rPr lang="en-US" sz="1400" b="1">
+                          <a:solidFill>
+                            <a:srgbClr val="3EAF7C"/>
+                          </a:solidFill>
+                        </a:rPr>
+                        <a:t>7</a:t>
+                      </a:r>
+                      <a:endParaRPr lang="en-US" sz="1400" b="1">
+                        <a:solidFill>
+                          <a:srgbClr val="3EAF7C"/>
+                        </a:solidFill>
+                      </a:endParaRPr>
+                    </a:p>
+                  </a:txBody>
+                  <a:tcPr>
+                    <a:lnL w="19050">
+                      <a:solidFill>
+                        <a:srgbClr val="2C3E50"/>
+                      </a:solidFill>
+                      <a:prstDash val="solid"/>
+                    </a:lnL>
+                    <a:lnR w="19050">
+                      <a:solidFill>
+                        <a:srgbClr val="2C3E50"/>
+                      </a:solidFill>
+                      <a:prstDash val="solid"/>
+                    </a:lnR>
+                    <a:lnT w="19050">
+                      <a:solidFill>
+                        <a:srgbClr val="2C3E50"/>
+                      </a:solidFill>
+                      <a:prstDash val="solid"/>
+                    </a:lnT>
+                    <a:lnB w="19050">
+                      <a:solidFill>
+                        <a:srgbClr val="2C3E50"/>
+                      </a:solidFill>
+                      <a:prstDash val="solid"/>
+                    </a:lnB>
+                  </a:tcPr>
+                </a:tc>
+                <a:tc>
+                  <a:txBody>
+                    <a:bodyPr/>
+                    <a:p>
+                      <a:pPr algn="ctr">
+                        <a:lnSpc>
+                          <a:spcPct val="160000"/>
+                        </a:lnSpc>
+                        <a:buNone/>
+                      </a:pPr>
+                      <a:r>
+                        <a:rPr lang="" altLang="en-US" sz="1000" b="1">
+                          <a:solidFill>
+                            <a:srgbClr val="2C3E50"/>
+                          </a:solidFill>
+                        </a:rPr>
+                        <a:t>0</a:t>
+                      </a:r>
+                      <a:endParaRPr lang="" altLang="en-US" sz="1000" b="1">
+                        <a:solidFill>
+                          <a:srgbClr val="2C3E50"/>
+                        </a:solidFill>
+                      </a:endParaRPr>
+                    </a:p>
+                  </a:txBody>
+                  <a:tcPr>
+                    <a:lnL w="19050">
+                      <a:solidFill>
+                        <a:srgbClr val="2C3E50"/>
+                      </a:solidFill>
+                      <a:prstDash val="solid"/>
+                    </a:lnL>
+                    <a:lnR w="19050">
+                      <a:solidFill>
+                        <a:srgbClr val="2C3E50"/>
+                      </a:solidFill>
+                      <a:prstDash val="solid"/>
+                    </a:lnR>
+                    <a:lnT w="19050">
+                      <a:solidFill>
+                        <a:srgbClr val="2C3E50"/>
+                      </a:solidFill>
+                      <a:prstDash val="solid"/>
+                    </a:lnT>
+                    <a:lnB w="19050">
+                      <a:solidFill>
+                        <a:srgbClr val="2C3E50"/>
+                      </a:solidFill>
+                      <a:prstDash val="solid"/>
+                    </a:lnB>
+                  </a:tcPr>
+                </a:tc>
+                <a:tc>
+                  <a:txBody>
+                    <a:bodyPr/>
+                    <a:p>
+                      <a:pPr algn="ctr">
+                        <a:lnSpc>
+                          <a:spcPct val="160000"/>
+                        </a:lnSpc>
+                        <a:buNone/>
+                      </a:pPr>
+                      <a:r>
+                        <a:rPr lang="" altLang="en-US" sz="1000" b="1">
+                          <a:solidFill>
+                            <a:srgbClr val="2C3E50"/>
+                          </a:solidFill>
+                        </a:rPr>
+                        <a:t>1</a:t>
+                      </a:r>
+                      <a:endParaRPr lang="" altLang="en-US" sz="1000" b="1">
+                        <a:solidFill>
+                          <a:srgbClr val="2C3E50"/>
+                        </a:solidFill>
+                      </a:endParaRPr>
+                    </a:p>
+                  </a:txBody>
+                  <a:tcPr>
+                    <a:lnL w="19050">
+                      <a:solidFill>
+                        <a:srgbClr val="2C3E50"/>
+                      </a:solidFill>
+                      <a:prstDash val="solid"/>
+                    </a:lnL>
+                    <a:lnR w="19050">
+                      <a:solidFill>
+                        <a:srgbClr val="2C3E50"/>
+                      </a:solidFill>
+                      <a:prstDash val="solid"/>
+                    </a:lnR>
+                    <a:lnT w="19050">
+                      <a:solidFill>
+                        <a:srgbClr val="2C3E50"/>
+                      </a:solidFill>
+                      <a:prstDash val="solid"/>
+                    </a:lnT>
+                    <a:lnB w="19050">
+                      <a:solidFill>
+                        <a:srgbClr val="2C3E50"/>
+                      </a:solidFill>
+                      <a:prstDash val="solid"/>
+                    </a:lnB>
+                  </a:tcPr>
+                </a:tc>
+                <a:tc>
+                  <a:txBody>
+                    <a:bodyPr/>
+                    <a:p>
+                      <a:pPr algn="ctr">
+                        <a:lnSpc>
+                          <a:spcPct val="160000"/>
+                        </a:lnSpc>
+                        <a:buNone/>
+                      </a:pPr>
+                      <a:r>
+                        <a:rPr lang="" altLang="en-US" sz="1000" b="1">
+                          <a:solidFill>
+                            <a:srgbClr val="2C3E50"/>
+                          </a:solidFill>
+                        </a:rPr>
+                        <a:t>1</a:t>
+                      </a:r>
+                      <a:endParaRPr lang="" altLang="en-US" sz="1000" b="1">
+                        <a:solidFill>
+                          <a:srgbClr val="2C3E50"/>
+                        </a:solidFill>
+                      </a:endParaRPr>
+                    </a:p>
+                  </a:txBody>
+                  <a:tcPr>
+                    <a:lnL w="19050">
+                      <a:solidFill>
+                        <a:srgbClr val="2C3E50"/>
+                      </a:solidFill>
+                      <a:prstDash val="solid"/>
+                    </a:lnL>
+                    <a:lnR w="19050">
+                      <a:solidFill>
+                        <a:srgbClr val="2C3E50"/>
+                      </a:solidFill>
+                      <a:prstDash val="solid"/>
+                    </a:lnR>
+                    <a:lnT w="19050">
+                      <a:solidFill>
+                        <a:srgbClr val="2C3E50"/>
+                      </a:solidFill>
+                      <a:prstDash val="solid"/>
+                    </a:lnT>
+                    <a:lnB w="19050">
+                      <a:solidFill>
+                        <a:srgbClr val="2C3E50"/>
+                      </a:solidFill>
+                      <a:prstDash val="solid"/>
+                    </a:lnB>
+                  </a:tcPr>
+                </a:tc>
+                <a:tc>
+                  <a:txBody>
+                    <a:bodyPr/>
+                    <a:p>
+                      <a:pPr algn="ctr">
+                        <a:lnSpc>
+                          <a:spcPct val="160000"/>
+                        </a:lnSpc>
+                        <a:buNone/>
+                      </a:pPr>
+                      <a:r>
+                        <a:rPr lang="" altLang="en-US" sz="1000" b="1">
+                          <a:solidFill>
+                            <a:srgbClr val="2C3E50"/>
+                          </a:solidFill>
+                        </a:rPr>
+                        <a:t>1</a:t>
+                      </a:r>
+                      <a:endParaRPr lang="" altLang="en-US" sz="1000" b="1">
+                        <a:solidFill>
+                          <a:srgbClr val="2C3E50"/>
+                        </a:solidFill>
+                      </a:endParaRPr>
+                    </a:p>
+                  </a:txBody>
+                  <a:tcPr>
+                    <a:lnL w="19050">
+                      <a:solidFill>
+                        <a:srgbClr val="2C3E50"/>
+                      </a:solidFill>
+                      <a:prstDash val="solid"/>
+                    </a:lnL>
+                    <a:lnR w="19050">
+                      <a:solidFill>
+                        <a:srgbClr val="2C3E50"/>
+                      </a:solidFill>
+                      <a:prstDash val="solid"/>
+                    </a:lnR>
+                    <a:lnT w="19050">
+                      <a:solidFill>
+                        <a:srgbClr val="2C3E50"/>
+                      </a:solidFill>
+                      <a:prstDash val="solid"/>
+                    </a:lnT>
+                    <a:lnB w="19050">
+                      <a:solidFill>
+                        <a:srgbClr val="2C3E50"/>
+                      </a:solidFill>
+                      <a:prstDash val="solid"/>
+                    </a:lnB>
+                  </a:tcPr>
+                </a:tc>
+                <a:tc>
+                  <a:txBody>
+                    <a:bodyPr/>
+                    <a:p>
+                      <a:pPr>
+                        <a:lnSpc>
+                          <a:spcPct val="160000"/>
+                        </a:lnSpc>
+                        <a:buNone/>
+                      </a:pPr>
+                      <a:r>
+                        <a:rPr lang="en-US" sz="1000" b="1">
+                          <a:solidFill>
+                            <a:srgbClr val="2C3E50"/>
+                          </a:solidFill>
+                        </a:rPr>
+                        <a:t>BAD (HIGHMEM+DMA32+DMA)        </a:t>
+                      </a:r>
+                      <a:endParaRPr lang="en-US" sz="1000" b="1">
+                        <a:solidFill>
+                          <a:srgbClr val="2C3E50"/>
+                        </a:solidFill>
+                      </a:endParaRPr>
+                    </a:p>
+                  </a:txBody>
+                  <a:tcPr>
+                    <a:lnL w="19050">
+                      <a:solidFill>
+                        <a:srgbClr val="2C3E50"/>
+                      </a:solidFill>
+                      <a:prstDash val="solid"/>
+                    </a:lnL>
+                    <a:lnR w="19050">
+                      <a:solidFill>
+                        <a:srgbClr val="2C3E50"/>
+                      </a:solidFill>
+                      <a:prstDash val="solid"/>
+                    </a:lnR>
+                    <a:lnT w="19050">
+                      <a:solidFill>
+                        <a:srgbClr val="2C3E50"/>
+                      </a:solidFill>
+                      <a:prstDash val="solid"/>
+                    </a:lnT>
+                    <a:lnB w="19050">
+                      <a:solidFill>
+                        <a:srgbClr val="2C3E50"/>
+                      </a:solidFill>
+                      <a:prstDash val="solid"/>
+                    </a:lnB>
+                  </a:tcPr>
+                </a:tc>
+              </a:tr>
+              <a:tr h="381635">
+                <a:tc>
+                  <a:txBody>
+                    <a:bodyPr/>
+                    <a:p>
+                      <a:pPr algn="ctr">
+                        <a:lnSpc>
+                          <a:spcPct val="130000"/>
+                        </a:lnSpc>
+                        <a:buNone/>
+                      </a:pPr>
+                      <a:r>
+                        <a:rPr lang="en-US" sz="1400" b="1">
+                          <a:solidFill>
+                            <a:srgbClr val="3EAF7C"/>
+                          </a:solidFill>
+                        </a:rPr>
+                        <a:t>8</a:t>
+                      </a:r>
+                      <a:endParaRPr lang="en-US" sz="1400" b="1">
+                        <a:solidFill>
+                          <a:srgbClr val="3EAF7C"/>
+                        </a:solidFill>
+                      </a:endParaRPr>
+                    </a:p>
+                  </a:txBody>
+                  <a:tcPr>
+                    <a:lnL w="19050">
+                      <a:solidFill>
+                        <a:srgbClr val="2C3E50"/>
+                      </a:solidFill>
+                      <a:prstDash val="solid"/>
+                    </a:lnL>
+                    <a:lnR w="19050">
+                      <a:solidFill>
+                        <a:srgbClr val="2C3E50"/>
+                      </a:solidFill>
+                      <a:prstDash val="solid"/>
+                    </a:lnR>
+                    <a:lnT w="19050">
+                      <a:solidFill>
+                        <a:srgbClr val="2C3E50"/>
+                      </a:solidFill>
+                      <a:prstDash val="solid"/>
+                    </a:lnT>
+                    <a:lnB w="19050">
+                      <a:solidFill>
+                        <a:srgbClr val="2C3E50"/>
+                      </a:solidFill>
+                      <a:prstDash val="solid"/>
+                    </a:lnB>
+                  </a:tcPr>
+                </a:tc>
+                <a:tc>
+                  <a:txBody>
+                    <a:bodyPr/>
+                    <a:p>
+                      <a:pPr algn="ctr">
+                        <a:lnSpc>
+                          <a:spcPct val="160000"/>
+                        </a:lnSpc>
+                        <a:buNone/>
+                      </a:pPr>
+                      <a:r>
+                        <a:rPr lang="" altLang="en-US" sz="1000" b="1">
+                          <a:solidFill>
+                            <a:srgbClr val="2C3E50"/>
+                          </a:solidFill>
+                        </a:rPr>
+                        <a:t>1</a:t>
+                      </a:r>
+                      <a:endParaRPr lang="" altLang="en-US" sz="1000" b="1">
+                        <a:solidFill>
+                          <a:srgbClr val="2C3E50"/>
+                        </a:solidFill>
+                      </a:endParaRPr>
+                    </a:p>
+                  </a:txBody>
+                  <a:tcPr>
+                    <a:lnL w="19050">
+                      <a:solidFill>
+                        <a:srgbClr val="2C3E50"/>
+                      </a:solidFill>
+                      <a:prstDash val="solid"/>
+                    </a:lnL>
+                    <a:lnR w="19050">
+                      <a:solidFill>
+                        <a:srgbClr val="2C3E50"/>
+                      </a:solidFill>
+                      <a:prstDash val="solid"/>
+                    </a:lnR>
+                    <a:lnT w="19050">
+                      <a:solidFill>
+                        <a:srgbClr val="2C3E50"/>
+                      </a:solidFill>
+                      <a:prstDash val="solid"/>
+                    </a:lnT>
+                    <a:lnB w="19050">
+                      <a:solidFill>
+                        <a:srgbClr val="2C3E50"/>
+                      </a:solidFill>
+                      <a:prstDash val="solid"/>
+                    </a:lnB>
+                  </a:tcPr>
+                </a:tc>
+                <a:tc>
+                  <a:txBody>
+                    <a:bodyPr/>
+                    <a:p>
+                      <a:pPr algn="ctr">
+                        <a:lnSpc>
+                          <a:spcPct val="160000"/>
+                        </a:lnSpc>
+                        <a:buNone/>
+                      </a:pPr>
+                      <a:r>
+                        <a:rPr lang="" altLang="en-US" sz="1000" b="1">
+                          <a:solidFill>
+                            <a:srgbClr val="2C3E50"/>
+                          </a:solidFill>
+                        </a:rPr>
+                        <a:t>0</a:t>
+                      </a:r>
+                      <a:endParaRPr lang="" altLang="en-US" sz="1000" b="1">
+                        <a:solidFill>
+                          <a:srgbClr val="2C3E50"/>
+                        </a:solidFill>
+                      </a:endParaRPr>
+                    </a:p>
+                  </a:txBody>
+                  <a:tcPr>
+                    <a:lnL w="19050">
+                      <a:solidFill>
+                        <a:srgbClr val="2C3E50"/>
+                      </a:solidFill>
+                      <a:prstDash val="solid"/>
+                    </a:lnL>
+                    <a:lnR w="19050">
+                      <a:solidFill>
+                        <a:srgbClr val="2C3E50"/>
+                      </a:solidFill>
+                      <a:prstDash val="solid"/>
+                    </a:lnR>
+                    <a:lnT w="19050">
+                      <a:solidFill>
+                        <a:srgbClr val="2C3E50"/>
+                      </a:solidFill>
+                      <a:prstDash val="solid"/>
+                    </a:lnT>
+                    <a:lnB w="19050">
+                      <a:solidFill>
+                        <a:srgbClr val="2C3E50"/>
+                      </a:solidFill>
+                      <a:prstDash val="solid"/>
+                    </a:lnB>
+                  </a:tcPr>
+                </a:tc>
+                <a:tc>
+                  <a:txBody>
+                    <a:bodyPr/>
+                    <a:p>
+                      <a:pPr algn="ctr">
+                        <a:lnSpc>
+                          <a:spcPct val="160000"/>
+                        </a:lnSpc>
+                        <a:buNone/>
+                      </a:pPr>
+                      <a:r>
+                        <a:rPr lang="" altLang="en-US" sz="1000" b="1">
+                          <a:solidFill>
+                            <a:srgbClr val="2C3E50"/>
+                          </a:solidFill>
+                        </a:rPr>
+                        <a:t>0</a:t>
+                      </a:r>
+                      <a:endParaRPr lang="" altLang="en-US" sz="1000" b="1">
+                        <a:solidFill>
+                          <a:srgbClr val="2C3E50"/>
+                        </a:solidFill>
+                      </a:endParaRPr>
+                    </a:p>
+                  </a:txBody>
+                  <a:tcPr>
+                    <a:lnL w="19050">
+                      <a:solidFill>
+                        <a:srgbClr val="2C3E50"/>
+                      </a:solidFill>
+                      <a:prstDash val="solid"/>
+                    </a:lnL>
+                    <a:lnR w="19050">
+                      <a:solidFill>
+                        <a:srgbClr val="2C3E50"/>
+                      </a:solidFill>
+                      <a:prstDash val="solid"/>
+                    </a:lnR>
+                    <a:lnT w="19050">
+                      <a:solidFill>
+                        <a:srgbClr val="2C3E50"/>
+                      </a:solidFill>
+                      <a:prstDash val="solid"/>
+                    </a:lnT>
+                    <a:lnB w="19050">
+                      <a:solidFill>
+                        <a:srgbClr val="2C3E50"/>
+                      </a:solidFill>
+                      <a:prstDash val="solid"/>
+                    </a:lnB>
+                  </a:tcPr>
+                </a:tc>
+                <a:tc>
+                  <a:txBody>
+                    <a:bodyPr/>
+                    <a:p>
+                      <a:pPr algn="ctr">
+                        <a:lnSpc>
+                          <a:spcPct val="160000"/>
+                        </a:lnSpc>
+                        <a:buNone/>
+                      </a:pPr>
+                      <a:r>
+                        <a:rPr lang="" altLang="en-US" sz="1000" b="1">
+                          <a:solidFill>
+                            <a:srgbClr val="2C3E50"/>
+                          </a:solidFill>
+                        </a:rPr>
+                        <a:t>0</a:t>
+                      </a:r>
+                      <a:endParaRPr lang="" altLang="en-US" sz="1000" b="1">
+                        <a:solidFill>
+                          <a:srgbClr val="2C3E50"/>
+                        </a:solidFill>
+                      </a:endParaRPr>
+                    </a:p>
+                  </a:txBody>
+                  <a:tcPr>
+                    <a:lnL w="19050">
+                      <a:solidFill>
+                        <a:srgbClr val="2C3E50"/>
+                      </a:solidFill>
+                      <a:prstDash val="solid"/>
+                    </a:lnL>
+                    <a:lnR w="19050">
+                      <a:solidFill>
+                        <a:srgbClr val="2C3E50"/>
+                      </a:solidFill>
+                      <a:prstDash val="solid"/>
+                    </a:lnR>
+                    <a:lnT w="19050">
+                      <a:solidFill>
+                        <a:srgbClr val="2C3E50"/>
+                      </a:solidFill>
+                      <a:prstDash val="solid"/>
+                    </a:lnT>
+                    <a:lnB w="19050">
+                      <a:solidFill>
+                        <a:srgbClr val="2C3E50"/>
+                      </a:solidFill>
+                      <a:prstDash val="solid"/>
+                    </a:lnB>
+                  </a:tcPr>
+                </a:tc>
+                <a:tc>
+                  <a:txBody>
+                    <a:bodyPr/>
+                    <a:p>
+                      <a:pPr>
+                        <a:lnSpc>
+                          <a:spcPct val="160000"/>
+                        </a:lnSpc>
+                        <a:buNone/>
+                      </a:pPr>
+                      <a:r>
+                        <a:rPr lang="en-US" sz="1000" b="1">
+                          <a:solidFill>
+                            <a:srgbClr val="3EAF7C"/>
+                          </a:solidFill>
+                        </a:rPr>
+                        <a:t>NORMAL (MOVABLE+0) </a:t>
+                      </a:r>
+                      <a:endParaRPr lang="en-US" sz="1000" b="1">
+                        <a:solidFill>
+                          <a:srgbClr val="3EAF7C"/>
+                        </a:solidFill>
+                      </a:endParaRPr>
+                    </a:p>
+                  </a:txBody>
+                  <a:tcPr>
+                    <a:lnL w="19050">
+                      <a:solidFill>
+                        <a:srgbClr val="2C3E50"/>
+                      </a:solidFill>
+                      <a:prstDash val="solid"/>
+                    </a:lnL>
+                    <a:lnR w="19050">
+                      <a:solidFill>
+                        <a:srgbClr val="2C3E50"/>
+                      </a:solidFill>
+                      <a:prstDash val="solid"/>
+                    </a:lnR>
+                    <a:lnT w="19050">
+                      <a:solidFill>
+                        <a:srgbClr val="2C3E50"/>
+                      </a:solidFill>
+                      <a:prstDash val="solid"/>
+                    </a:lnT>
+                    <a:lnB w="19050">
+                      <a:solidFill>
+                        <a:srgbClr val="2C3E50"/>
+                      </a:solidFill>
+                      <a:prstDash val="solid"/>
+                    </a:lnB>
+                  </a:tcPr>
+                </a:tc>
+              </a:tr>
+              <a:tr h="382270">
+                <a:tc>
+                  <a:txBody>
+                    <a:bodyPr/>
+                    <a:p>
+                      <a:pPr algn="ctr">
+                        <a:lnSpc>
+                          <a:spcPct val="130000"/>
+                        </a:lnSpc>
+                        <a:buNone/>
+                      </a:pPr>
+                      <a:r>
+                        <a:rPr lang="en-US" sz="1400" b="1">
+                          <a:solidFill>
+                            <a:srgbClr val="3EAF7C"/>
+                          </a:solidFill>
+                        </a:rPr>
+                        <a:t>9</a:t>
+                      </a:r>
+                      <a:endParaRPr lang="en-US" sz="1400" b="1">
+                        <a:solidFill>
+                          <a:srgbClr val="3EAF7C"/>
+                        </a:solidFill>
+                      </a:endParaRPr>
+                    </a:p>
+                  </a:txBody>
+                  <a:tcPr>
+                    <a:lnL w="19050">
+                      <a:solidFill>
+                        <a:srgbClr val="2C3E50"/>
+                      </a:solidFill>
+                      <a:prstDash val="solid"/>
+                    </a:lnL>
+                    <a:lnR w="19050">
+                      <a:solidFill>
+                        <a:srgbClr val="2C3E50"/>
+                      </a:solidFill>
+                      <a:prstDash val="solid"/>
+                    </a:lnR>
+                    <a:lnT w="19050">
+                      <a:solidFill>
+                        <a:srgbClr val="2C3E50"/>
+                      </a:solidFill>
+                      <a:prstDash val="solid"/>
+                    </a:lnT>
+                    <a:lnB w="19050">
+                      <a:solidFill>
+                        <a:srgbClr val="2C3E50"/>
+                      </a:solidFill>
+                      <a:prstDash val="solid"/>
+                    </a:lnB>
+                  </a:tcPr>
+                </a:tc>
+                <a:tc>
+                  <a:txBody>
+                    <a:bodyPr/>
+                    <a:p>
+                      <a:pPr algn="ctr">
+                        <a:lnSpc>
+                          <a:spcPct val="160000"/>
+                        </a:lnSpc>
+                        <a:buNone/>
+                      </a:pPr>
+                      <a:r>
+                        <a:rPr lang="" altLang="en-US" sz="1000" b="1">
+                          <a:solidFill>
+                            <a:srgbClr val="2C3E50"/>
+                          </a:solidFill>
+                        </a:rPr>
+                        <a:t>1</a:t>
+                      </a:r>
+                      <a:endParaRPr lang="" altLang="en-US" sz="1000" b="1">
+                        <a:solidFill>
+                          <a:srgbClr val="2C3E50"/>
+                        </a:solidFill>
+                      </a:endParaRPr>
+                    </a:p>
+                  </a:txBody>
+                  <a:tcPr>
+                    <a:lnL w="19050">
+                      <a:solidFill>
+                        <a:srgbClr val="2C3E50"/>
+                      </a:solidFill>
+                      <a:prstDash val="solid"/>
+                    </a:lnL>
+                    <a:lnR w="19050">
+                      <a:solidFill>
+                        <a:srgbClr val="2C3E50"/>
+                      </a:solidFill>
+                      <a:prstDash val="solid"/>
+                    </a:lnR>
+                    <a:lnT w="19050">
+                      <a:solidFill>
+                        <a:srgbClr val="2C3E50"/>
+                      </a:solidFill>
+                      <a:prstDash val="solid"/>
+                    </a:lnT>
+                    <a:lnB w="19050">
+                      <a:solidFill>
+                        <a:srgbClr val="2C3E50"/>
+                      </a:solidFill>
+                      <a:prstDash val="solid"/>
+                    </a:lnB>
+                  </a:tcPr>
+                </a:tc>
+                <a:tc>
+                  <a:txBody>
+                    <a:bodyPr/>
+                    <a:p>
+                      <a:pPr algn="ctr">
+                        <a:lnSpc>
+                          <a:spcPct val="160000"/>
+                        </a:lnSpc>
+                        <a:buNone/>
+                      </a:pPr>
+                      <a:r>
+                        <a:rPr lang="" altLang="en-US" sz="1000" b="1">
+                          <a:solidFill>
+                            <a:srgbClr val="2C3E50"/>
+                          </a:solidFill>
+                        </a:rPr>
+                        <a:t>0</a:t>
+                      </a:r>
+                      <a:endParaRPr lang="" altLang="en-US" sz="1000" b="1">
+                        <a:solidFill>
+                          <a:srgbClr val="2C3E50"/>
+                        </a:solidFill>
+                      </a:endParaRPr>
+                    </a:p>
+                  </a:txBody>
+                  <a:tcPr>
+                    <a:lnL w="19050">
+                      <a:solidFill>
+                        <a:srgbClr val="2C3E50"/>
+                      </a:solidFill>
+                      <a:prstDash val="solid"/>
+                    </a:lnL>
+                    <a:lnR w="19050">
+                      <a:solidFill>
+                        <a:srgbClr val="2C3E50"/>
+                      </a:solidFill>
+                      <a:prstDash val="solid"/>
+                    </a:lnR>
+                    <a:lnT w="19050">
+                      <a:solidFill>
+                        <a:srgbClr val="2C3E50"/>
+                      </a:solidFill>
+                      <a:prstDash val="solid"/>
+                    </a:lnT>
+                    <a:lnB w="19050">
+                      <a:solidFill>
+                        <a:srgbClr val="2C3E50"/>
+                      </a:solidFill>
+                      <a:prstDash val="solid"/>
+                    </a:lnB>
+                  </a:tcPr>
+                </a:tc>
+                <a:tc>
+                  <a:txBody>
+                    <a:bodyPr/>
+                    <a:p>
+                      <a:pPr algn="ctr">
+                        <a:lnSpc>
+                          <a:spcPct val="160000"/>
+                        </a:lnSpc>
+                        <a:buNone/>
+                      </a:pPr>
+                      <a:r>
+                        <a:rPr lang="" altLang="en-US" sz="1000" b="1">
+                          <a:solidFill>
+                            <a:srgbClr val="2C3E50"/>
+                          </a:solidFill>
+                        </a:rPr>
+                        <a:t>0</a:t>
+                      </a:r>
+                      <a:endParaRPr lang="" altLang="en-US" sz="1000" b="1">
+                        <a:solidFill>
+                          <a:srgbClr val="2C3E50"/>
+                        </a:solidFill>
+                      </a:endParaRPr>
+                    </a:p>
+                  </a:txBody>
+                  <a:tcPr>
+                    <a:lnL w="19050">
+                      <a:solidFill>
+                        <a:srgbClr val="2C3E50"/>
+                      </a:solidFill>
+                      <a:prstDash val="solid"/>
+                    </a:lnL>
+                    <a:lnR w="19050">
+                      <a:solidFill>
+                        <a:srgbClr val="2C3E50"/>
+                      </a:solidFill>
+                      <a:prstDash val="solid"/>
+                    </a:lnR>
+                    <a:lnT w="19050">
+                      <a:solidFill>
+                        <a:srgbClr val="2C3E50"/>
+                      </a:solidFill>
+                      <a:prstDash val="solid"/>
+                    </a:lnT>
+                    <a:lnB w="19050">
+                      <a:solidFill>
+                        <a:srgbClr val="2C3E50"/>
+                      </a:solidFill>
+                      <a:prstDash val="solid"/>
+                    </a:lnB>
+                  </a:tcPr>
+                </a:tc>
+                <a:tc>
+                  <a:txBody>
+                    <a:bodyPr/>
+                    <a:p>
+                      <a:pPr algn="ctr">
+                        <a:lnSpc>
+                          <a:spcPct val="160000"/>
+                        </a:lnSpc>
+                        <a:buNone/>
+                      </a:pPr>
+                      <a:r>
+                        <a:rPr lang="" altLang="en-US" sz="1000" b="1">
+                          <a:solidFill>
+                            <a:srgbClr val="2C3E50"/>
+                          </a:solidFill>
+                        </a:rPr>
+                        <a:t>1</a:t>
+                      </a:r>
+                      <a:endParaRPr lang="" altLang="en-US" sz="1000" b="1">
+                        <a:solidFill>
+                          <a:srgbClr val="2C3E50"/>
+                        </a:solidFill>
+                      </a:endParaRPr>
+                    </a:p>
+                  </a:txBody>
+                  <a:tcPr>
+                    <a:lnL w="19050">
+                      <a:solidFill>
+                        <a:srgbClr val="2C3E50"/>
+                      </a:solidFill>
+                      <a:prstDash val="solid"/>
+                    </a:lnL>
+                    <a:lnR w="19050">
+                      <a:solidFill>
+                        <a:srgbClr val="2C3E50"/>
+                      </a:solidFill>
+                      <a:prstDash val="solid"/>
+                    </a:lnR>
+                    <a:lnT w="19050">
+                      <a:solidFill>
+                        <a:srgbClr val="2C3E50"/>
+                      </a:solidFill>
+                      <a:prstDash val="solid"/>
+                    </a:lnT>
+                    <a:lnB w="19050">
+                      <a:solidFill>
+                        <a:srgbClr val="2C3E50"/>
+                      </a:solidFill>
+                      <a:prstDash val="solid"/>
+                    </a:lnB>
+                  </a:tcPr>
+                </a:tc>
+                <a:tc>
+                  <a:txBody>
+                    <a:bodyPr/>
+                    <a:p>
+                      <a:pPr>
+                        <a:lnSpc>
+                          <a:spcPct val="160000"/>
+                        </a:lnSpc>
+                        <a:buNone/>
+                      </a:pPr>
+                      <a:r>
+                        <a:rPr lang="en-US" sz="1000" b="1">
+                          <a:solidFill>
+                            <a:srgbClr val="3EAF7C"/>
+                          </a:solidFill>
+                        </a:rPr>
+                        <a:t>DMA or NORMAL (MOVABLE+DMA)</a:t>
+                      </a:r>
+                      <a:endParaRPr lang="en-US" sz="1000" b="1">
+                        <a:solidFill>
+                          <a:srgbClr val="3EAF7C"/>
+                        </a:solidFill>
+                      </a:endParaRPr>
+                    </a:p>
+                  </a:txBody>
+                  <a:tcPr>
+                    <a:lnL w="19050">
+                      <a:solidFill>
+                        <a:srgbClr val="2C3E50"/>
+                      </a:solidFill>
+                      <a:prstDash val="solid"/>
+                    </a:lnL>
+                    <a:lnR w="19050">
+                      <a:solidFill>
+                        <a:srgbClr val="2C3E50"/>
+                      </a:solidFill>
+                      <a:prstDash val="solid"/>
+                    </a:lnR>
+                    <a:lnT w="19050">
+                      <a:solidFill>
+                        <a:srgbClr val="2C3E50"/>
+                      </a:solidFill>
+                      <a:prstDash val="solid"/>
+                    </a:lnT>
+                    <a:lnB w="19050">
+                      <a:solidFill>
+                        <a:srgbClr val="2C3E50"/>
+                      </a:solidFill>
+                      <a:prstDash val="solid"/>
+                    </a:lnB>
+                  </a:tcPr>
+                </a:tc>
+              </a:tr>
+              <a:tr h="381635">
+                <a:tc>
+                  <a:txBody>
+                    <a:bodyPr/>
+                    <a:p>
+                      <a:pPr algn="ctr">
+                        <a:lnSpc>
+                          <a:spcPct val="130000"/>
+                        </a:lnSpc>
+                        <a:buNone/>
+                      </a:pPr>
+                      <a:r>
+                        <a:rPr lang="" altLang="en-US" sz="1400" b="1">
+                          <a:solidFill>
+                            <a:srgbClr val="3EAF7C"/>
+                          </a:solidFill>
+                        </a:rPr>
+                        <a:t>a</a:t>
+                      </a:r>
+                      <a:endParaRPr lang="" altLang="en-US" sz="1400" b="1">
+                        <a:solidFill>
+                          <a:srgbClr val="3EAF7C"/>
+                        </a:solidFill>
+                      </a:endParaRPr>
+                    </a:p>
+                  </a:txBody>
+                  <a:tcPr>
+                    <a:lnL w="19050">
+                      <a:solidFill>
+                        <a:srgbClr val="2C3E50"/>
+                      </a:solidFill>
+                      <a:prstDash val="solid"/>
+                    </a:lnL>
+                    <a:lnR w="19050">
+                      <a:solidFill>
+                        <a:srgbClr val="2C3E50"/>
+                      </a:solidFill>
+                      <a:prstDash val="solid"/>
+                    </a:lnR>
+                    <a:lnT w="19050">
+                      <a:solidFill>
+                        <a:srgbClr val="2C3E50"/>
+                      </a:solidFill>
+                      <a:prstDash val="solid"/>
+                    </a:lnT>
+                    <a:lnB w="19050">
+                      <a:solidFill>
+                        <a:srgbClr val="2C3E50"/>
+                      </a:solidFill>
+                      <a:prstDash val="solid"/>
+                    </a:lnB>
+                  </a:tcPr>
+                </a:tc>
+                <a:tc>
+                  <a:txBody>
+                    <a:bodyPr/>
+                    <a:p>
+                      <a:pPr algn="ctr">
+                        <a:lnSpc>
+                          <a:spcPct val="160000"/>
+                        </a:lnSpc>
+                        <a:buNone/>
+                      </a:pPr>
+                      <a:r>
+                        <a:rPr lang="" altLang="en-US" sz="1000" b="1">
+                          <a:solidFill>
+                            <a:srgbClr val="2C3E50"/>
+                          </a:solidFill>
+                        </a:rPr>
+                        <a:t>1</a:t>
+                      </a:r>
+                      <a:endParaRPr lang="" altLang="en-US" sz="1000" b="1">
+                        <a:solidFill>
+                          <a:srgbClr val="2C3E50"/>
+                        </a:solidFill>
+                      </a:endParaRPr>
+                    </a:p>
+                  </a:txBody>
+                  <a:tcPr>
+                    <a:lnL w="19050">
+                      <a:solidFill>
+                        <a:srgbClr val="2C3E50"/>
+                      </a:solidFill>
+                      <a:prstDash val="solid"/>
+                    </a:lnL>
+                    <a:lnR w="19050">
+                      <a:solidFill>
+                        <a:srgbClr val="2C3E50"/>
+                      </a:solidFill>
+                      <a:prstDash val="solid"/>
+                    </a:lnR>
+                    <a:lnT w="19050">
+                      <a:solidFill>
+                        <a:srgbClr val="2C3E50"/>
+                      </a:solidFill>
+                      <a:prstDash val="solid"/>
+                    </a:lnT>
+                    <a:lnB w="19050">
+                      <a:solidFill>
+                        <a:srgbClr val="2C3E50"/>
+                      </a:solidFill>
+                      <a:prstDash val="solid"/>
+                    </a:lnB>
+                  </a:tcPr>
+                </a:tc>
+                <a:tc>
+                  <a:txBody>
+                    <a:bodyPr/>
+                    <a:p>
+                      <a:pPr algn="ctr">
+                        <a:lnSpc>
+                          <a:spcPct val="160000"/>
+                        </a:lnSpc>
+                        <a:buNone/>
+                      </a:pPr>
+                      <a:r>
+                        <a:rPr lang="" altLang="en-US" sz="1000" b="1">
+                          <a:solidFill>
+                            <a:srgbClr val="2C3E50"/>
+                          </a:solidFill>
+                        </a:rPr>
+                        <a:t>0</a:t>
+                      </a:r>
+                      <a:endParaRPr lang="" altLang="en-US" sz="1000" b="1">
+                        <a:solidFill>
+                          <a:srgbClr val="2C3E50"/>
+                        </a:solidFill>
+                      </a:endParaRPr>
+                    </a:p>
+                  </a:txBody>
+                  <a:tcPr>
+                    <a:lnL w="19050">
+                      <a:solidFill>
+                        <a:srgbClr val="2C3E50"/>
+                      </a:solidFill>
+                      <a:prstDash val="solid"/>
+                    </a:lnL>
+                    <a:lnR w="19050">
+                      <a:solidFill>
+                        <a:srgbClr val="2C3E50"/>
+                      </a:solidFill>
+                      <a:prstDash val="solid"/>
+                    </a:lnR>
+                    <a:lnT w="19050">
+                      <a:solidFill>
+                        <a:srgbClr val="2C3E50"/>
+                      </a:solidFill>
+                      <a:prstDash val="solid"/>
+                    </a:lnT>
+                    <a:lnB w="19050">
+                      <a:solidFill>
+                        <a:srgbClr val="2C3E50"/>
+                      </a:solidFill>
+                      <a:prstDash val="solid"/>
+                    </a:lnB>
+                  </a:tcPr>
+                </a:tc>
+                <a:tc>
+                  <a:txBody>
+                    <a:bodyPr/>
+                    <a:p>
+                      <a:pPr algn="ctr">
+                        <a:lnSpc>
+                          <a:spcPct val="160000"/>
+                        </a:lnSpc>
+                        <a:buNone/>
+                      </a:pPr>
+                      <a:r>
+                        <a:rPr lang="" altLang="en-US" sz="1000" b="1">
+                          <a:solidFill>
+                            <a:srgbClr val="2C3E50"/>
+                          </a:solidFill>
+                        </a:rPr>
+                        <a:t>1</a:t>
+                      </a:r>
+                      <a:endParaRPr lang="" altLang="en-US" sz="1000" b="1">
+                        <a:solidFill>
+                          <a:srgbClr val="2C3E50"/>
+                        </a:solidFill>
+                      </a:endParaRPr>
+                    </a:p>
+                  </a:txBody>
+                  <a:tcPr>
+                    <a:lnL w="19050">
+                      <a:solidFill>
+                        <a:srgbClr val="2C3E50"/>
+                      </a:solidFill>
+                      <a:prstDash val="solid"/>
+                    </a:lnL>
+                    <a:lnR w="19050">
+                      <a:solidFill>
+                        <a:srgbClr val="2C3E50"/>
+                      </a:solidFill>
+                      <a:prstDash val="solid"/>
+                    </a:lnR>
+                    <a:lnT w="19050">
+                      <a:solidFill>
+                        <a:srgbClr val="2C3E50"/>
+                      </a:solidFill>
+                      <a:prstDash val="solid"/>
+                    </a:lnT>
+                    <a:lnB w="19050">
+                      <a:solidFill>
+                        <a:srgbClr val="2C3E50"/>
+                      </a:solidFill>
+                      <a:prstDash val="solid"/>
+                    </a:lnB>
+                  </a:tcPr>
+                </a:tc>
+                <a:tc>
+                  <a:txBody>
+                    <a:bodyPr/>
+                    <a:p>
+                      <a:pPr algn="ctr">
+                        <a:lnSpc>
+                          <a:spcPct val="160000"/>
+                        </a:lnSpc>
+                        <a:buNone/>
+                      </a:pPr>
+                      <a:r>
+                        <a:rPr lang="" altLang="en-US" sz="1000" b="1">
+                          <a:solidFill>
+                            <a:srgbClr val="2C3E50"/>
+                          </a:solidFill>
+                        </a:rPr>
+                        <a:t>0</a:t>
+                      </a:r>
+                      <a:endParaRPr lang="" altLang="en-US" sz="1000" b="1">
+                        <a:solidFill>
+                          <a:srgbClr val="2C3E50"/>
+                        </a:solidFill>
+                      </a:endParaRPr>
+                    </a:p>
+                  </a:txBody>
+                  <a:tcPr>
+                    <a:lnL w="19050">
+                      <a:solidFill>
+                        <a:srgbClr val="2C3E50"/>
+                      </a:solidFill>
+                      <a:prstDash val="solid"/>
+                    </a:lnL>
+                    <a:lnR w="19050">
+                      <a:solidFill>
+                        <a:srgbClr val="2C3E50"/>
+                      </a:solidFill>
+                      <a:prstDash val="solid"/>
+                    </a:lnR>
+                    <a:lnT w="19050">
+                      <a:solidFill>
+                        <a:srgbClr val="2C3E50"/>
+                      </a:solidFill>
+                      <a:prstDash val="solid"/>
+                    </a:lnT>
+                    <a:lnB w="19050">
+                      <a:solidFill>
+                        <a:srgbClr val="2C3E50"/>
+                      </a:solidFill>
+                      <a:prstDash val="solid"/>
+                    </a:lnB>
+                  </a:tcPr>
+                </a:tc>
+                <a:tc>
+                  <a:txBody>
+                    <a:bodyPr/>
+                    <a:p>
+                      <a:pPr>
+                        <a:lnSpc>
+                          <a:spcPct val="160000"/>
+                        </a:lnSpc>
+                        <a:buNone/>
+                      </a:pPr>
+                      <a:r>
+                        <a:rPr lang="en-US" sz="1000" b="1">
+                          <a:solidFill>
+                            <a:srgbClr val="3EAF7C"/>
+                          </a:solidFill>
+                        </a:rPr>
+                        <a:t>MOVABLE (Movable is valid only if HIGHMEM is set too)</a:t>
+                      </a:r>
+                      <a:endParaRPr lang="en-US" sz="1000" b="1">
+                        <a:solidFill>
+                          <a:srgbClr val="3EAF7C"/>
+                        </a:solidFill>
+                      </a:endParaRPr>
+                    </a:p>
+                  </a:txBody>
+                  <a:tcPr>
+                    <a:lnL w="19050">
+                      <a:solidFill>
+                        <a:srgbClr val="2C3E50"/>
+                      </a:solidFill>
+                      <a:prstDash val="solid"/>
+                    </a:lnL>
+                    <a:lnR w="19050">
+                      <a:solidFill>
+                        <a:srgbClr val="2C3E50"/>
+                      </a:solidFill>
+                      <a:prstDash val="solid"/>
+                    </a:lnR>
+                    <a:lnT w="19050">
+                      <a:solidFill>
+                        <a:srgbClr val="2C3E50"/>
+                      </a:solidFill>
+                      <a:prstDash val="solid"/>
+                    </a:lnT>
+                    <a:lnB w="19050">
+                      <a:solidFill>
+                        <a:srgbClr val="2C3E50"/>
+                      </a:solidFill>
+                      <a:prstDash val="solid"/>
+                    </a:lnB>
+                  </a:tcPr>
+                </a:tc>
+              </a:tr>
+              <a:tr h="382270">
+                <a:tc>
+                  <a:txBody>
+                    <a:bodyPr/>
+                    <a:p>
+                      <a:pPr algn="ctr">
+                        <a:lnSpc>
+                          <a:spcPct val="130000"/>
+                        </a:lnSpc>
+                        <a:buNone/>
+                      </a:pPr>
+                      <a:r>
+                        <a:rPr lang="" altLang="en-US" sz="1400" b="1">
+                          <a:solidFill>
+                            <a:srgbClr val="3EAF7C"/>
+                          </a:solidFill>
+                        </a:rPr>
+                        <a:t>b</a:t>
+                      </a:r>
+                      <a:endParaRPr lang="" altLang="en-US" sz="1400" b="1">
+                        <a:solidFill>
+                          <a:srgbClr val="3EAF7C"/>
+                        </a:solidFill>
+                      </a:endParaRPr>
+                    </a:p>
+                  </a:txBody>
+                  <a:tcPr>
+                    <a:lnL w="19050">
+                      <a:solidFill>
+                        <a:srgbClr val="2C3E50"/>
+                      </a:solidFill>
+                      <a:prstDash val="solid"/>
+                    </a:lnL>
+                    <a:lnR w="19050">
+                      <a:solidFill>
+                        <a:srgbClr val="2C3E50"/>
+                      </a:solidFill>
+                      <a:prstDash val="solid"/>
+                    </a:lnR>
+                    <a:lnT w="19050">
+                      <a:solidFill>
+                        <a:srgbClr val="2C3E50"/>
+                      </a:solidFill>
+                      <a:prstDash val="solid"/>
+                    </a:lnT>
+                    <a:lnB w="19050">
+                      <a:solidFill>
+                        <a:srgbClr val="2C3E50"/>
+                      </a:solidFill>
+                      <a:prstDash val="solid"/>
+                    </a:lnB>
+                  </a:tcPr>
+                </a:tc>
+                <a:tc>
+                  <a:txBody>
+                    <a:bodyPr/>
+                    <a:p>
+                      <a:pPr algn="ctr">
+                        <a:lnSpc>
+                          <a:spcPct val="160000"/>
+                        </a:lnSpc>
+                        <a:buNone/>
+                      </a:pPr>
+                      <a:r>
+                        <a:rPr lang="" altLang="en-US" sz="1000" b="1">
+                          <a:solidFill>
+                            <a:srgbClr val="2C3E50"/>
+                          </a:solidFill>
+                        </a:rPr>
+                        <a:t>1</a:t>
+                      </a:r>
+                      <a:endParaRPr lang="" altLang="en-US" sz="1000" b="1">
+                        <a:solidFill>
+                          <a:srgbClr val="2C3E50"/>
+                        </a:solidFill>
+                      </a:endParaRPr>
+                    </a:p>
+                  </a:txBody>
+                  <a:tcPr>
+                    <a:lnL w="19050">
+                      <a:solidFill>
+                        <a:srgbClr val="2C3E50"/>
+                      </a:solidFill>
+                      <a:prstDash val="solid"/>
+                    </a:lnL>
+                    <a:lnR w="19050">
+                      <a:solidFill>
+                        <a:srgbClr val="2C3E50"/>
+                      </a:solidFill>
+                      <a:prstDash val="solid"/>
+                    </a:lnR>
+                    <a:lnT w="19050">
+                      <a:solidFill>
+                        <a:srgbClr val="2C3E50"/>
+                      </a:solidFill>
+                      <a:prstDash val="solid"/>
+                    </a:lnT>
+                    <a:lnB w="19050">
+                      <a:solidFill>
+                        <a:srgbClr val="2C3E50"/>
+                      </a:solidFill>
+                      <a:prstDash val="solid"/>
+                    </a:lnB>
+                  </a:tcPr>
+                </a:tc>
+                <a:tc>
+                  <a:txBody>
+                    <a:bodyPr/>
+                    <a:p>
+                      <a:pPr algn="ctr">
+                        <a:lnSpc>
+                          <a:spcPct val="160000"/>
+                        </a:lnSpc>
+                        <a:buNone/>
+                      </a:pPr>
+                      <a:r>
+                        <a:rPr lang="" altLang="en-US" sz="1000" b="1">
+                          <a:solidFill>
+                            <a:srgbClr val="2C3E50"/>
+                          </a:solidFill>
+                        </a:rPr>
+                        <a:t>0</a:t>
+                      </a:r>
+                      <a:endParaRPr lang="" altLang="en-US" sz="1000" b="1">
+                        <a:solidFill>
+                          <a:srgbClr val="2C3E50"/>
+                        </a:solidFill>
+                      </a:endParaRPr>
+                    </a:p>
+                  </a:txBody>
+                  <a:tcPr>
+                    <a:lnL w="19050">
+                      <a:solidFill>
+                        <a:srgbClr val="2C3E50"/>
+                      </a:solidFill>
+                      <a:prstDash val="solid"/>
+                    </a:lnL>
+                    <a:lnR w="19050">
+                      <a:solidFill>
+                        <a:srgbClr val="2C3E50"/>
+                      </a:solidFill>
+                      <a:prstDash val="solid"/>
+                    </a:lnR>
+                    <a:lnT w="19050">
+                      <a:solidFill>
+                        <a:srgbClr val="2C3E50"/>
+                      </a:solidFill>
+                      <a:prstDash val="solid"/>
+                    </a:lnT>
+                    <a:lnB w="19050">
+                      <a:solidFill>
+                        <a:srgbClr val="2C3E50"/>
+                      </a:solidFill>
+                      <a:prstDash val="solid"/>
+                    </a:lnB>
+                  </a:tcPr>
+                </a:tc>
+                <a:tc>
+                  <a:txBody>
+                    <a:bodyPr/>
+                    <a:p>
+                      <a:pPr algn="ctr">
+                        <a:lnSpc>
+                          <a:spcPct val="160000"/>
+                        </a:lnSpc>
+                        <a:buNone/>
+                      </a:pPr>
+                      <a:r>
+                        <a:rPr lang="" altLang="en-US" sz="1000" b="1">
+                          <a:solidFill>
+                            <a:srgbClr val="2C3E50"/>
+                          </a:solidFill>
+                        </a:rPr>
+                        <a:t>1</a:t>
+                      </a:r>
+                      <a:endParaRPr lang="" altLang="en-US" sz="1000" b="1">
+                        <a:solidFill>
+                          <a:srgbClr val="2C3E50"/>
+                        </a:solidFill>
+                      </a:endParaRPr>
+                    </a:p>
+                  </a:txBody>
+                  <a:tcPr>
+                    <a:lnL w="19050">
+                      <a:solidFill>
+                        <a:srgbClr val="2C3E50"/>
+                      </a:solidFill>
+                      <a:prstDash val="solid"/>
+                    </a:lnL>
+                    <a:lnR w="19050">
+                      <a:solidFill>
+                        <a:srgbClr val="2C3E50"/>
+                      </a:solidFill>
+                      <a:prstDash val="solid"/>
+                    </a:lnR>
+                    <a:lnT w="19050">
+                      <a:solidFill>
+                        <a:srgbClr val="2C3E50"/>
+                      </a:solidFill>
+                      <a:prstDash val="solid"/>
+                    </a:lnT>
+                    <a:lnB w="19050">
+                      <a:solidFill>
+                        <a:srgbClr val="2C3E50"/>
+                      </a:solidFill>
+                      <a:prstDash val="solid"/>
+                    </a:lnB>
+                  </a:tcPr>
+                </a:tc>
+                <a:tc>
+                  <a:txBody>
+                    <a:bodyPr/>
+                    <a:p>
+                      <a:pPr algn="ctr">
+                        <a:lnSpc>
+                          <a:spcPct val="160000"/>
+                        </a:lnSpc>
+                        <a:buNone/>
+                      </a:pPr>
+                      <a:r>
+                        <a:rPr lang="" altLang="en-US" sz="1000" b="1">
+                          <a:solidFill>
+                            <a:srgbClr val="2C3E50"/>
+                          </a:solidFill>
+                        </a:rPr>
+                        <a:t>1</a:t>
+                      </a:r>
+                      <a:endParaRPr lang="" altLang="en-US" sz="1000" b="1">
+                        <a:solidFill>
+                          <a:srgbClr val="2C3E50"/>
+                        </a:solidFill>
+                      </a:endParaRPr>
+                    </a:p>
+                  </a:txBody>
+                  <a:tcPr>
+                    <a:lnL w="19050">
+                      <a:solidFill>
+                        <a:srgbClr val="2C3E50"/>
+                      </a:solidFill>
+                      <a:prstDash val="solid"/>
+                    </a:lnL>
+                    <a:lnR w="19050">
+                      <a:solidFill>
+                        <a:srgbClr val="2C3E50"/>
+                      </a:solidFill>
+                      <a:prstDash val="solid"/>
+                    </a:lnR>
+                    <a:lnT w="19050">
+                      <a:solidFill>
+                        <a:srgbClr val="2C3E50"/>
+                      </a:solidFill>
+                      <a:prstDash val="solid"/>
+                    </a:lnT>
+                    <a:lnB w="19050">
+                      <a:solidFill>
+                        <a:srgbClr val="2C3E50"/>
+                      </a:solidFill>
+                      <a:prstDash val="solid"/>
+                    </a:lnB>
+                  </a:tcPr>
+                </a:tc>
+                <a:tc>
+                  <a:txBody>
+                    <a:bodyPr/>
+                    <a:p>
+                      <a:pPr>
+                        <a:lnSpc>
+                          <a:spcPct val="160000"/>
+                        </a:lnSpc>
+                        <a:buNone/>
+                      </a:pPr>
+                      <a:r>
+                        <a:rPr lang="en-US" sz="1000" b="1">
+                          <a:solidFill>
+                            <a:srgbClr val="2C3E50"/>
+                          </a:solidFill>
+                        </a:rPr>
+                        <a:t>BAD (MOVABLE+HIGHMEM+DMA)    </a:t>
+                      </a:r>
+                      <a:endParaRPr lang="en-US" sz="1000" b="1">
+                        <a:solidFill>
+                          <a:srgbClr val="2C3E50"/>
+                        </a:solidFill>
+                      </a:endParaRPr>
+                    </a:p>
+                  </a:txBody>
+                  <a:tcPr>
+                    <a:lnL w="19050">
+                      <a:solidFill>
+                        <a:srgbClr val="2C3E50"/>
+                      </a:solidFill>
+                      <a:prstDash val="solid"/>
+                    </a:lnL>
+                    <a:lnR w="19050">
+                      <a:solidFill>
+                        <a:srgbClr val="2C3E50"/>
+                      </a:solidFill>
+                      <a:prstDash val="solid"/>
+                    </a:lnR>
+                    <a:lnT w="19050">
+                      <a:solidFill>
+                        <a:srgbClr val="2C3E50"/>
+                      </a:solidFill>
+                      <a:prstDash val="solid"/>
+                    </a:lnT>
+                    <a:lnB w="19050">
+                      <a:solidFill>
+                        <a:srgbClr val="2C3E50"/>
+                      </a:solidFill>
+                      <a:prstDash val="solid"/>
+                    </a:lnB>
+                  </a:tcPr>
+                </a:tc>
+              </a:tr>
+              <a:tr h="381635">
+                <a:tc>
+                  <a:txBody>
+                    <a:bodyPr/>
+                    <a:p>
+                      <a:pPr algn="ctr">
+                        <a:lnSpc>
+                          <a:spcPct val="130000"/>
+                        </a:lnSpc>
+                        <a:buNone/>
+                      </a:pPr>
+                      <a:r>
+                        <a:rPr lang="" altLang="en-US" sz="1400" b="1">
+                          <a:solidFill>
+                            <a:srgbClr val="3EAF7C"/>
+                          </a:solidFill>
+                        </a:rPr>
+                        <a:t>c</a:t>
+                      </a:r>
+                      <a:endParaRPr lang="" altLang="en-US" sz="1400" b="1">
+                        <a:solidFill>
+                          <a:srgbClr val="3EAF7C"/>
+                        </a:solidFill>
+                      </a:endParaRPr>
+                    </a:p>
+                  </a:txBody>
+                  <a:tcPr>
+                    <a:lnL w="19050">
+                      <a:solidFill>
+                        <a:srgbClr val="2C3E50"/>
+                      </a:solidFill>
+                      <a:prstDash val="solid"/>
+                    </a:lnL>
+                    <a:lnR w="19050">
+                      <a:solidFill>
+                        <a:srgbClr val="2C3E50"/>
+                      </a:solidFill>
+                      <a:prstDash val="solid"/>
+                    </a:lnR>
+                    <a:lnT w="19050">
+                      <a:solidFill>
+                        <a:srgbClr val="2C3E50"/>
+                      </a:solidFill>
+                      <a:prstDash val="solid"/>
+                    </a:lnT>
+                    <a:lnB w="19050">
+                      <a:solidFill>
+                        <a:srgbClr val="2C3E50"/>
+                      </a:solidFill>
+                      <a:prstDash val="solid"/>
+                    </a:lnB>
+                  </a:tcPr>
+                </a:tc>
+                <a:tc>
+                  <a:txBody>
+                    <a:bodyPr/>
+                    <a:p>
+                      <a:pPr algn="ctr">
+                        <a:lnSpc>
+                          <a:spcPct val="160000"/>
+                        </a:lnSpc>
+                        <a:buNone/>
+                      </a:pPr>
+                      <a:r>
+                        <a:rPr lang="" altLang="en-US" sz="1000" b="1">
+                          <a:solidFill>
+                            <a:srgbClr val="2C3E50"/>
+                          </a:solidFill>
+                        </a:rPr>
+                        <a:t>1</a:t>
+                      </a:r>
+                      <a:endParaRPr lang="" altLang="en-US" sz="1000" b="1">
+                        <a:solidFill>
+                          <a:srgbClr val="2C3E50"/>
+                        </a:solidFill>
+                      </a:endParaRPr>
+                    </a:p>
+                  </a:txBody>
+                  <a:tcPr>
+                    <a:lnL w="19050">
+                      <a:solidFill>
+                        <a:srgbClr val="2C3E50"/>
+                      </a:solidFill>
+                      <a:prstDash val="solid"/>
+                    </a:lnL>
+                    <a:lnR w="19050">
+                      <a:solidFill>
+                        <a:srgbClr val="2C3E50"/>
+                      </a:solidFill>
+                      <a:prstDash val="solid"/>
+                    </a:lnR>
+                    <a:lnT w="19050">
+                      <a:solidFill>
+                        <a:srgbClr val="2C3E50"/>
+                      </a:solidFill>
+                      <a:prstDash val="solid"/>
+                    </a:lnT>
+                    <a:lnB w="19050">
+                      <a:solidFill>
+                        <a:srgbClr val="2C3E50"/>
+                      </a:solidFill>
+                      <a:prstDash val="solid"/>
+                    </a:lnB>
+                  </a:tcPr>
+                </a:tc>
+                <a:tc>
+                  <a:txBody>
+                    <a:bodyPr/>
+                    <a:p>
+                      <a:pPr algn="ctr">
+                        <a:lnSpc>
+                          <a:spcPct val="160000"/>
+                        </a:lnSpc>
+                        <a:buNone/>
+                      </a:pPr>
+                      <a:r>
+                        <a:rPr lang="" altLang="en-US" sz="1000" b="1">
+                          <a:solidFill>
+                            <a:srgbClr val="2C3E50"/>
+                          </a:solidFill>
+                        </a:rPr>
+                        <a:t>1</a:t>
+                      </a:r>
+                      <a:endParaRPr lang="" altLang="en-US" sz="1000" b="1">
+                        <a:solidFill>
+                          <a:srgbClr val="2C3E50"/>
+                        </a:solidFill>
+                      </a:endParaRPr>
+                    </a:p>
+                  </a:txBody>
+                  <a:tcPr>
+                    <a:lnL w="19050">
+                      <a:solidFill>
+                        <a:srgbClr val="2C3E50"/>
+                      </a:solidFill>
+                      <a:prstDash val="solid"/>
+                    </a:lnL>
+                    <a:lnR w="19050">
+                      <a:solidFill>
+                        <a:srgbClr val="2C3E50"/>
+                      </a:solidFill>
+                      <a:prstDash val="solid"/>
+                    </a:lnR>
+                    <a:lnT w="19050">
+                      <a:solidFill>
+                        <a:srgbClr val="2C3E50"/>
+                      </a:solidFill>
+                      <a:prstDash val="solid"/>
+                    </a:lnT>
+                    <a:lnB w="19050">
+                      <a:solidFill>
+                        <a:srgbClr val="2C3E50"/>
+                      </a:solidFill>
+                      <a:prstDash val="solid"/>
+                    </a:lnB>
+                  </a:tcPr>
+                </a:tc>
+                <a:tc>
+                  <a:txBody>
+                    <a:bodyPr/>
+                    <a:p>
+                      <a:pPr algn="ctr">
+                        <a:lnSpc>
+                          <a:spcPct val="160000"/>
+                        </a:lnSpc>
+                        <a:buNone/>
+                      </a:pPr>
+                      <a:r>
+                        <a:rPr lang="" altLang="en-US" sz="1000" b="1">
+                          <a:solidFill>
+                            <a:srgbClr val="2C3E50"/>
+                          </a:solidFill>
+                        </a:rPr>
+                        <a:t>0</a:t>
+                      </a:r>
+                      <a:endParaRPr lang="" altLang="en-US" sz="1000" b="1">
+                        <a:solidFill>
+                          <a:srgbClr val="2C3E50"/>
+                        </a:solidFill>
+                      </a:endParaRPr>
+                    </a:p>
+                  </a:txBody>
+                  <a:tcPr>
+                    <a:lnL w="19050">
+                      <a:solidFill>
+                        <a:srgbClr val="2C3E50"/>
+                      </a:solidFill>
+                      <a:prstDash val="solid"/>
+                    </a:lnL>
+                    <a:lnR w="19050">
+                      <a:solidFill>
+                        <a:srgbClr val="2C3E50"/>
+                      </a:solidFill>
+                      <a:prstDash val="solid"/>
+                    </a:lnR>
+                    <a:lnT w="19050">
+                      <a:solidFill>
+                        <a:srgbClr val="2C3E50"/>
+                      </a:solidFill>
+                      <a:prstDash val="solid"/>
+                    </a:lnT>
+                    <a:lnB w="19050">
+                      <a:solidFill>
+                        <a:srgbClr val="2C3E50"/>
+                      </a:solidFill>
+                      <a:prstDash val="solid"/>
+                    </a:lnB>
+                  </a:tcPr>
+                </a:tc>
+                <a:tc>
+                  <a:txBody>
+                    <a:bodyPr/>
+                    <a:p>
+                      <a:pPr algn="ctr">
+                        <a:lnSpc>
+                          <a:spcPct val="160000"/>
+                        </a:lnSpc>
+                        <a:buNone/>
+                      </a:pPr>
+                      <a:r>
+                        <a:rPr lang="" altLang="en-US" sz="1000" b="1">
+                          <a:solidFill>
+                            <a:srgbClr val="2C3E50"/>
+                          </a:solidFill>
+                        </a:rPr>
+                        <a:t>0</a:t>
+                      </a:r>
+                      <a:endParaRPr lang="" altLang="en-US" sz="1000" b="1">
+                        <a:solidFill>
+                          <a:srgbClr val="2C3E50"/>
+                        </a:solidFill>
+                      </a:endParaRPr>
+                    </a:p>
+                  </a:txBody>
+                  <a:tcPr>
+                    <a:lnL w="19050">
+                      <a:solidFill>
+                        <a:srgbClr val="2C3E50"/>
+                      </a:solidFill>
+                      <a:prstDash val="solid"/>
+                    </a:lnL>
+                    <a:lnR w="19050">
+                      <a:solidFill>
+                        <a:srgbClr val="2C3E50"/>
+                      </a:solidFill>
+                      <a:prstDash val="solid"/>
+                    </a:lnR>
+                    <a:lnT w="19050">
+                      <a:solidFill>
+                        <a:srgbClr val="2C3E50"/>
+                      </a:solidFill>
+                      <a:prstDash val="solid"/>
+                    </a:lnT>
+                    <a:lnB w="19050">
+                      <a:solidFill>
+                        <a:srgbClr val="2C3E50"/>
+                      </a:solidFill>
+                      <a:prstDash val="solid"/>
+                    </a:lnB>
+                  </a:tcPr>
+                </a:tc>
+                <a:tc>
+                  <a:txBody>
+                    <a:bodyPr/>
+                    <a:p>
+                      <a:pPr>
+                        <a:lnSpc>
+                          <a:spcPct val="160000"/>
+                        </a:lnSpc>
+                        <a:buNone/>
+                      </a:pPr>
+                      <a:r>
+                        <a:rPr lang="en-US" sz="1000" b="1">
+                          <a:solidFill>
+                            <a:srgbClr val="3EAF7C"/>
+                          </a:solidFill>
+                        </a:rPr>
+                        <a:t>DMA32 or NORMAL (MOVABLE+DMA32)        </a:t>
+                      </a:r>
+                      <a:endParaRPr lang="en-US" sz="1000" b="1">
+                        <a:solidFill>
+                          <a:srgbClr val="3EAF7C"/>
+                        </a:solidFill>
+                      </a:endParaRPr>
+                    </a:p>
+                  </a:txBody>
+                  <a:tcPr>
+                    <a:lnL w="19050">
+                      <a:solidFill>
+                        <a:srgbClr val="2C3E50"/>
+                      </a:solidFill>
+                      <a:prstDash val="solid"/>
+                    </a:lnL>
+                    <a:lnR w="19050">
+                      <a:solidFill>
+                        <a:srgbClr val="2C3E50"/>
+                      </a:solidFill>
+                      <a:prstDash val="solid"/>
+                    </a:lnR>
+                    <a:lnT w="19050">
+                      <a:solidFill>
+                        <a:srgbClr val="2C3E50"/>
+                      </a:solidFill>
+                      <a:prstDash val="solid"/>
+                    </a:lnT>
+                    <a:lnB w="19050">
+                      <a:solidFill>
+                        <a:srgbClr val="2C3E50"/>
+                      </a:solidFill>
+                      <a:prstDash val="solid"/>
+                    </a:lnB>
+                  </a:tcPr>
+                </a:tc>
+              </a:tr>
+              <a:tr h="382270">
+                <a:tc>
+                  <a:txBody>
+                    <a:bodyPr/>
+                    <a:p>
+                      <a:pPr algn="ctr">
+                        <a:lnSpc>
+                          <a:spcPct val="130000"/>
+                        </a:lnSpc>
+                        <a:buNone/>
+                      </a:pPr>
+                      <a:r>
+                        <a:rPr lang="" altLang="en-US" sz="1400" b="1">
+                          <a:solidFill>
+                            <a:srgbClr val="3EAF7C"/>
+                          </a:solidFill>
+                        </a:rPr>
+                        <a:t>d</a:t>
+                      </a:r>
+                      <a:endParaRPr lang="" altLang="en-US" sz="1400" b="1">
+                        <a:solidFill>
+                          <a:srgbClr val="3EAF7C"/>
+                        </a:solidFill>
+                      </a:endParaRPr>
+                    </a:p>
+                  </a:txBody>
+                  <a:tcPr>
+                    <a:lnL w="19050">
+                      <a:solidFill>
+                        <a:srgbClr val="2C3E50"/>
+                      </a:solidFill>
+                      <a:prstDash val="solid"/>
+                    </a:lnL>
+                    <a:lnR w="19050">
+                      <a:solidFill>
+                        <a:srgbClr val="2C3E50"/>
+                      </a:solidFill>
+                      <a:prstDash val="solid"/>
+                    </a:lnR>
+                    <a:lnT w="19050">
+                      <a:solidFill>
+                        <a:srgbClr val="2C3E50"/>
+                      </a:solidFill>
+                      <a:prstDash val="solid"/>
+                    </a:lnT>
+                    <a:lnB w="19050">
+                      <a:solidFill>
+                        <a:srgbClr val="2C3E50"/>
+                      </a:solidFill>
+                      <a:prstDash val="solid"/>
+                    </a:lnB>
+                  </a:tcPr>
+                </a:tc>
+                <a:tc>
+                  <a:txBody>
+                    <a:bodyPr/>
+                    <a:p>
+                      <a:pPr algn="ctr">
+                        <a:lnSpc>
+                          <a:spcPct val="160000"/>
+                        </a:lnSpc>
+                        <a:buNone/>
+                      </a:pPr>
+                      <a:r>
+                        <a:rPr lang="" altLang="en-US" sz="1000" b="1">
+                          <a:solidFill>
+                            <a:srgbClr val="2C3E50"/>
+                          </a:solidFill>
+                        </a:rPr>
+                        <a:t>1</a:t>
+                      </a:r>
+                      <a:endParaRPr lang="" altLang="en-US" sz="1000" b="1">
+                        <a:solidFill>
+                          <a:srgbClr val="2C3E50"/>
+                        </a:solidFill>
+                      </a:endParaRPr>
+                    </a:p>
+                  </a:txBody>
+                  <a:tcPr>
+                    <a:lnL w="19050">
+                      <a:solidFill>
+                        <a:srgbClr val="2C3E50"/>
+                      </a:solidFill>
+                      <a:prstDash val="solid"/>
+                    </a:lnL>
+                    <a:lnR w="19050">
+                      <a:solidFill>
+                        <a:srgbClr val="2C3E50"/>
+                      </a:solidFill>
+                      <a:prstDash val="solid"/>
+                    </a:lnR>
+                    <a:lnT w="19050">
+                      <a:solidFill>
+                        <a:srgbClr val="2C3E50"/>
+                      </a:solidFill>
+                      <a:prstDash val="solid"/>
+                    </a:lnT>
+                    <a:lnB w="19050">
+                      <a:solidFill>
+                        <a:srgbClr val="2C3E50"/>
+                      </a:solidFill>
+                      <a:prstDash val="solid"/>
+                    </a:lnB>
+                  </a:tcPr>
+                </a:tc>
+                <a:tc>
+                  <a:txBody>
+                    <a:bodyPr/>
+                    <a:p>
+                      <a:pPr algn="ctr">
+                        <a:lnSpc>
+                          <a:spcPct val="160000"/>
+                        </a:lnSpc>
+                        <a:buNone/>
+                      </a:pPr>
+                      <a:r>
+                        <a:rPr lang="" altLang="en-US" sz="1000" b="1">
+                          <a:solidFill>
+                            <a:srgbClr val="2C3E50"/>
+                          </a:solidFill>
+                        </a:rPr>
+                        <a:t>1</a:t>
+                      </a:r>
+                      <a:endParaRPr lang="" altLang="en-US" sz="1000" b="1">
+                        <a:solidFill>
+                          <a:srgbClr val="2C3E50"/>
+                        </a:solidFill>
+                      </a:endParaRPr>
+                    </a:p>
+                  </a:txBody>
+                  <a:tcPr>
+                    <a:lnL w="19050">
+                      <a:solidFill>
+                        <a:srgbClr val="2C3E50"/>
+                      </a:solidFill>
+                      <a:prstDash val="solid"/>
+                    </a:lnL>
+                    <a:lnR w="19050">
+                      <a:solidFill>
+                        <a:srgbClr val="2C3E50"/>
+                      </a:solidFill>
+                      <a:prstDash val="solid"/>
+                    </a:lnR>
+                    <a:lnT w="19050">
+                      <a:solidFill>
+                        <a:srgbClr val="2C3E50"/>
+                      </a:solidFill>
+                      <a:prstDash val="solid"/>
+                    </a:lnT>
+                    <a:lnB w="19050">
+                      <a:solidFill>
+                        <a:srgbClr val="2C3E50"/>
+                      </a:solidFill>
+                      <a:prstDash val="solid"/>
+                    </a:lnB>
+                  </a:tcPr>
+                </a:tc>
+                <a:tc>
+                  <a:txBody>
+                    <a:bodyPr/>
+                    <a:p>
+                      <a:pPr algn="ctr">
+                        <a:lnSpc>
+                          <a:spcPct val="160000"/>
+                        </a:lnSpc>
+                        <a:buNone/>
+                      </a:pPr>
+                      <a:r>
+                        <a:rPr lang="" altLang="en-US" sz="1000" b="1">
+                          <a:solidFill>
+                            <a:srgbClr val="2C3E50"/>
+                          </a:solidFill>
+                        </a:rPr>
+                        <a:t>0</a:t>
+                      </a:r>
+                      <a:endParaRPr lang="" altLang="en-US" sz="1000" b="1">
+                        <a:solidFill>
+                          <a:srgbClr val="2C3E50"/>
+                        </a:solidFill>
+                      </a:endParaRPr>
+                    </a:p>
+                  </a:txBody>
+                  <a:tcPr>
+                    <a:lnL w="19050">
+                      <a:solidFill>
+                        <a:srgbClr val="2C3E50"/>
+                      </a:solidFill>
+                      <a:prstDash val="solid"/>
+                    </a:lnL>
+                    <a:lnR w="19050">
+                      <a:solidFill>
+                        <a:srgbClr val="2C3E50"/>
+                      </a:solidFill>
+                      <a:prstDash val="solid"/>
+                    </a:lnR>
+                    <a:lnT w="19050">
+                      <a:solidFill>
+                        <a:srgbClr val="2C3E50"/>
+                      </a:solidFill>
+                      <a:prstDash val="solid"/>
+                    </a:lnT>
+                    <a:lnB w="19050">
+                      <a:solidFill>
+                        <a:srgbClr val="2C3E50"/>
+                      </a:solidFill>
+                      <a:prstDash val="solid"/>
+                    </a:lnB>
+                  </a:tcPr>
+                </a:tc>
+                <a:tc>
+                  <a:txBody>
+                    <a:bodyPr/>
+                    <a:p>
+                      <a:pPr algn="ctr">
+                        <a:lnSpc>
+                          <a:spcPct val="160000"/>
+                        </a:lnSpc>
+                        <a:buNone/>
+                      </a:pPr>
+                      <a:r>
+                        <a:rPr lang="" altLang="en-US" sz="1000" b="1">
+                          <a:solidFill>
+                            <a:srgbClr val="2C3E50"/>
+                          </a:solidFill>
+                        </a:rPr>
+                        <a:t>1</a:t>
+                      </a:r>
+                      <a:endParaRPr lang="" altLang="en-US" sz="1000" b="1">
+                        <a:solidFill>
+                          <a:srgbClr val="2C3E50"/>
+                        </a:solidFill>
+                      </a:endParaRPr>
+                    </a:p>
+                  </a:txBody>
+                  <a:tcPr>
+                    <a:lnL w="19050">
+                      <a:solidFill>
+                        <a:srgbClr val="2C3E50"/>
+                      </a:solidFill>
+                      <a:prstDash val="solid"/>
+                    </a:lnL>
+                    <a:lnR w="19050">
+                      <a:solidFill>
+                        <a:srgbClr val="2C3E50"/>
+                      </a:solidFill>
+                      <a:prstDash val="solid"/>
+                    </a:lnR>
+                    <a:lnT w="19050">
+                      <a:solidFill>
+                        <a:srgbClr val="2C3E50"/>
+                      </a:solidFill>
+                      <a:prstDash val="solid"/>
+                    </a:lnT>
+                    <a:lnB w="19050">
+                      <a:solidFill>
+                        <a:srgbClr val="2C3E50"/>
+                      </a:solidFill>
+                      <a:prstDash val="solid"/>
+                    </a:lnB>
+                  </a:tcPr>
+                </a:tc>
+                <a:tc>
+                  <a:txBody>
+                    <a:bodyPr/>
+                    <a:p>
+                      <a:pPr>
+                        <a:lnSpc>
+                          <a:spcPct val="160000"/>
+                        </a:lnSpc>
+                        <a:buNone/>
+                      </a:pPr>
+                      <a:r>
+                        <a:rPr lang="en-US" sz="1000" b="1">
+                          <a:solidFill>
+                            <a:srgbClr val="2C3E50"/>
+                          </a:solidFill>
+                        </a:rPr>
+                        <a:t>BAD (MOVABLE+DMA32+DMA)  </a:t>
+                      </a:r>
+                      <a:endParaRPr lang="en-US" sz="1000" b="1">
+                        <a:solidFill>
+                          <a:srgbClr val="2C3E50"/>
+                        </a:solidFill>
+                      </a:endParaRPr>
+                    </a:p>
+                  </a:txBody>
+                  <a:tcPr>
+                    <a:lnL w="19050">
+                      <a:solidFill>
+                        <a:srgbClr val="2C3E50"/>
+                      </a:solidFill>
+                      <a:prstDash val="solid"/>
+                    </a:lnL>
+                    <a:lnR w="19050">
+                      <a:solidFill>
+                        <a:srgbClr val="2C3E50"/>
+                      </a:solidFill>
+                      <a:prstDash val="solid"/>
+                    </a:lnR>
+                    <a:lnT w="19050">
+                      <a:solidFill>
+                        <a:srgbClr val="2C3E50"/>
+                      </a:solidFill>
+                      <a:prstDash val="solid"/>
+                    </a:lnT>
+                    <a:lnB w="19050">
+                      <a:solidFill>
+                        <a:srgbClr val="2C3E50"/>
+                      </a:solidFill>
+                      <a:prstDash val="solid"/>
+                    </a:lnB>
+                  </a:tcPr>
+                </a:tc>
+              </a:tr>
+              <a:tr h="381635">
+                <a:tc>
+                  <a:txBody>
+                    <a:bodyPr/>
+                    <a:p>
+                      <a:pPr algn="ctr">
+                        <a:lnSpc>
+                          <a:spcPct val="130000"/>
+                        </a:lnSpc>
+                        <a:buNone/>
+                      </a:pPr>
+                      <a:r>
+                        <a:rPr lang="" altLang="en-US" sz="1400" b="1">
+                          <a:solidFill>
+                            <a:srgbClr val="3EAF7C"/>
+                          </a:solidFill>
+                        </a:rPr>
+                        <a:t>e</a:t>
+                      </a:r>
+                      <a:endParaRPr lang="" altLang="en-US" sz="1400" b="1">
+                        <a:solidFill>
+                          <a:srgbClr val="3EAF7C"/>
+                        </a:solidFill>
+                      </a:endParaRPr>
+                    </a:p>
+                  </a:txBody>
+                  <a:tcPr>
+                    <a:lnL w="19050">
+                      <a:solidFill>
+                        <a:srgbClr val="2C3E50"/>
+                      </a:solidFill>
+                      <a:prstDash val="solid"/>
+                    </a:lnL>
+                    <a:lnR w="19050">
+                      <a:solidFill>
+                        <a:srgbClr val="2C3E50"/>
+                      </a:solidFill>
+                      <a:prstDash val="solid"/>
+                    </a:lnR>
+                    <a:lnT w="19050">
+                      <a:solidFill>
+                        <a:srgbClr val="2C3E50"/>
+                      </a:solidFill>
+                      <a:prstDash val="solid"/>
+                    </a:lnT>
+                    <a:lnB w="19050">
+                      <a:solidFill>
+                        <a:srgbClr val="2C3E50"/>
+                      </a:solidFill>
+                      <a:prstDash val="solid"/>
+                    </a:lnB>
+                  </a:tcPr>
+                </a:tc>
+                <a:tc>
+                  <a:txBody>
+                    <a:bodyPr/>
+                    <a:p>
+                      <a:pPr algn="ctr">
+                        <a:lnSpc>
+                          <a:spcPct val="160000"/>
+                        </a:lnSpc>
+                        <a:buNone/>
+                      </a:pPr>
+                      <a:r>
+                        <a:rPr lang="" altLang="en-US" sz="1000" b="1">
+                          <a:solidFill>
+                            <a:srgbClr val="2C3E50"/>
+                          </a:solidFill>
+                        </a:rPr>
+                        <a:t>1</a:t>
+                      </a:r>
+                      <a:endParaRPr lang="" altLang="en-US" sz="1000" b="1">
+                        <a:solidFill>
+                          <a:srgbClr val="2C3E50"/>
+                        </a:solidFill>
+                      </a:endParaRPr>
+                    </a:p>
+                  </a:txBody>
+                  <a:tcPr>
+                    <a:lnL w="19050">
+                      <a:solidFill>
+                        <a:srgbClr val="2C3E50"/>
+                      </a:solidFill>
+                      <a:prstDash val="solid"/>
+                    </a:lnL>
+                    <a:lnR w="19050">
+                      <a:solidFill>
+                        <a:srgbClr val="2C3E50"/>
+                      </a:solidFill>
+                      <a:prstDash val="solid"/>
+                    </a:lnR>
+                    <a:lnT w="19050">
+                      <a:solidFill>
+                        <a:srgbClr val="2C3E50"/>
+                      </a:solidFill>
+                      <a:prstDash val="solid"/>
+                    </a:lnT>
+                    <a:lnB w="19050">
+                      <a:solidFill>
+                        <a:srgbClr val="2C3E50"/>
+                      </a:solidFill>
+                      <a:prstDash val="solid"/>
+                    </a:lnB>
+                  </a:tcPr>
+                </a:tc>
+                <a:tc>
+                  <a:txBody>
+                    <a:bodyPr/>
+                    <a:p>
+                      <a:pPr algn="ctr">
+                        <a:lnSpc>
+                          <a:spcPct val="160000"/>
+                        </a:lnSpc>
+                        <a:buNone/>
+                      </a:pPr>
+                      <a:r>
+                        <a:rPr lang="" altLang="en-US" sz="1000" b="1">
+                          <a:solidFill>
+                            <a:srgbClr val="2C3E50"/>
+                          </a:solidFill>
+                        </a:rPr>
+                        <a:t>1</a:t>
+                      </a:r>
+                      <a:endParaRPr lang="" altLang="en-US" sz="1000" b="1">
+                        <a:solidFill>
+                          <a:srgbClr val="2C3E50"/>
+                        </a:solidFill>
+                      </a:endParaRPr>
+                    </a:p>
+                  </a:txBody>
+                  <a:tcPr>
+                    <a:lnL w="19050">
+                      <a:solidFill>
+                        <a:srgbClr val="2C3E50"/>
+                      </a:solidFill>
+                      <a:prstDash val="solid"/>
+                    </a:lnL>
+                    <a:lnR w="19050">
+                      <a:solidFill>
+                        <a:srgbClr val="2C3E50"/>
+                      </a:solidFill>
+                      <a:prstDash val="solid"/>
+                    </a:lnR>
+                    <a:lnT w="19050">
+                      <a:solidFill>
+                        <a:srgbClr val="2C3E50"/>
+                      </a:solidFill>
+                      <a:prstDash val="solid"/>
+                    </a:lnT>
+                    <a:lnB w="19050">
+                      <a:solidFill>
+                        <a:srgbClr val="2C3E50"/>
+                      </a:solidFill>
+                      <a:prstDash val="solid"/>
+                    </a:lnB>
+                  </a:tcPr>
+                </a:tc>
+                <a:tc>
+                  <a:txBody>
+                    <a:bodyPr/>
+                    <a:p>
+                      <a:pPr algn="ctr">
+                        <a:lnSpc>
+                          <a:spcPct val="160000"/>
+                        </a:lnSpc>
+                        <a:buNone/>
+                      </a:pPr>
+                      <a:r>
+                        <a:rPr lang="" altLang="en-US" sz="1000" b="1">
+                          <a:solidFill>
+                            <a:srgbClr val="2C3E50"/>
+                          </a:solidFill>
+                        </a:rPr>
+                        <a:t>1</a:t>
+                      </a:r>
+                      <a:endParaRPr lang="" altLang="en-US" sz="1000" b="1">
+                        <a:solidFill>
+                          <a:srgbClr val="2C3E50"/>
+                        </a:solidFill>
+                      </a:endParaRPr>
+                    </a:p>
+                  </a:txBody>
+                  <a:tcPr>
+                    <a:lnL w="19050">
+                      <a:solidFill>
+                        <a:srgbClr val="2C3E50"/>
+                      </a:solidFill>
+                      <a:prstDash val="solid"/>
+                    </a:lnL>
+                    <a:lnR w="19050">
+                      <a:solidFill>
+                        <a:srgbClr val="2C3E50"/>
+                      </a:solidFill>
+                      <a:prstDash val="solid"/>
+                    </a:lnR>
+                    <a:lnT w="19050">
+                      <a:solidFill>
+                        <a:srgbClr val="2C3E50"/>
+                      </a:solidFill>
+                      <a:prstDash val="solid"/>
+                    </a:lnT>
+                    <a:lnB w="19050">
+                      <a:solidFill>
+                        <a:srgbClr val="2C3E50"/>
+                      </a:solidFill>
+                      <a:prstDash val="solid"/>
+                    </a:lnB>
+                  </a:tcPr>
+                </a:tc>
+                <a:tc>
+                  <a:txBody>
+                    <a:bodyPr/>
+                    <a:p>
+                      <a:pPr algn="ctr">
+                        <a:lnSpc>
+                          <a:spcPct val="160000"/>
+                        </a:lnSpc>
+                        <a:buNone/>
+                      </a:pPr>
+                      <a:r>
+                        <a:rPr lang="" altLang="en-US" sz="1000" b="1">
+                          <a:solidFill>
+                            <a:srgbClr val="2C3E50"/>
+                          </a:solidFill>
+                        </a:rPr>
+                        <a:t>0</a:t>
+                      </a:r>
+                      <a:endParaRPr lang="" altLang="en-US" sz="1000" b="1">
+                        <a:solidFill>
+                          <a:srgbClr val="2C3E50"/>
+                        </a:solidFill>
+                      </a:endParaRPr>
+                    </a:p>
+                  </a:txBody>
+                  <a:tcPr>
+                    <a:lnL w="19050">
+                      <a:solidFill>
+                        <a:srgbClr val="2C3E50"/>
+                      </a:solidFill>
+                      <a:prstDash val="solid"/>
+                    </a:lnL>
+                    <a:lnR w="19050">
+                      <a:solidFill>
+                        <a:srgbClr val="2C3E50"/>
+                      </a:solidFill>
+                      <a:prstDash val="solid"/>
+                    </a:lnR>
+                    <a:lnT w="19050">
+                      <a:solidFill>
+                        <a:srgbClr val="2C3E50"/>
+                      </a:solidFill>
+                      <a:prstDash val="solid"/>
+                    </a:lnT>
+                    <a:lnB w="19050">
+                      <a:solidFill>
+                        <a:srgbClr val="2C3E50"/>
+                      </a:solidFill>
+                      <a:prstDash val="solid"/>
+                    </a:lnB>
+                  </a:tcPr>
+                </a:tc>
+                <a:tc>
+                  <a:txBody>
+                    <a:bodyPr/>
+                    <a:p>
+                      <a:pPr>
+                        <a:lnSpc>
+                          <a:spcPct val="160000"/>
+                        </a:lnSpc>
+                        <a:buNone/>
+                      </a:pPr>
+                      <a:r>
+                        <a:rPr lang="en-US" sz="1000" b="1">
+                          <a:solidFill>
+                            <a:srgbClr val="2C3E50"/>
+                          </a:solidFill>
+                        </a:rPr>
+                        <a:t>BAD (MOVABLE+DMA32+HIGHMEM)   </a:t>
+                      </a:r>
+                      <a:endParaRPr lang="en-US" sz="1000" b="1">
+                        <a:solidFill>
+                          <a:srgbClr val="2C3E50"/>
+                        </a:solidFill>
+                      </a:endParaRPr>
+                    </a:p>
+                  </a:txBody>
+                  <a:tcPr>
+                    <a:lnL w="19050">
+                      <a:solidFill>
+                        <a:srgbClr val="2C3E50"/>
+                      </a:solidFill>
+                      <a:prstDash val="solid"/>
+                    </a:lnL>
+                    <a:lnR w="19050">
+                      <a:solidFill>
+                        <a:srgbClr val="2C3E50"/>
+                      </a:solidFill>
+                      <a:prstDash val="solid"/>
+                    </a:lnR>
+                    <a:lnT w="19050">
+                      <a:solidFill>
+                        <a:srgbClr val="2C3E50"/>
+                      </a:solidFill>
+                      <a:prstDash val="solid"/>
+                    </a:lnT>
+                    <a:lnB w="19050">
+                      <a:solidFill>
+                        <a:srgbClr val="2C3E50"/>
+                      </a:solidFill>
+                      <a:prstDash val="solid"/>
+                    </a:lnB>
+                  </a:tcPr>
+                </a:tc>
+              </a:tr>
+              <a:tr h="381635">
+                <a:tc>
+                  <a:txBody>
+                    <a:bodyPr/>
+                    <a:p>
+                      <a:pPr algn="ctr">
+                        <a:lnSpc>
+                          <a:spcPct val="130000"/>
+                        </a:lnSpc>
+                        <a:buNone/>
+                      </a:pPr>
+                      <a:r>
+                        <a:rPr lang="" altLang="en-US" sz="1400" b="1">
+                          <a:solidFill>
+                            <a:srgbClr val="3EAF7C"/>
+                          </a:solidFill>
+                        </a:rPr>
+                        <a:t>f</a:t>
+                      </a:r>
+                      <a:endParaRPr lang="" altLang="en-US" sz="1400" b="1">
+                        <a:solidFill>
+                          <a:srgbClr val="3EAF7C"/>
+                        </a:solidFill>
+                      </a:endParaRPr>
+                    </a:p>
+                  </a:txBody>
+                  <a:tcPr>
+                    <a:lnL w="19050">
+                      <a:solidFill>
+                        <a:srgbClr val="2C3E50"/>
+                      </a:solidFill>
+                      <a:prstDash val="solid"/>
+                    </a:lnL>
+                    <a:lnR w="19050">
+                      <a:solidFill>
+                        <a:srgbClr val="2C3E50"/>
+                      </a:solidFill>
+                      <a:prstDash val="solid"/>
+                    </a:lnR>
+                    <a:lnT w="19050">
+                      <a:solidFill>
+                        <a:srgbClr val="2C3E50"/>
+                      </a:solidFill>
+                      <a:prstDash val="solid"/>
+                    </a:lnT>
+                    <a:lnB w="19050">
+                      <a:solidFill>
+                        <a:srgbClr val="2C3E50"/>
+                      </a:solidFill>
+                      <a:prstDash val="solid"/>
+                    </a:lnB>
+                  </a:tcPr>
+                </a:tc>
+                <a:tc>
+                  <a:txBody>
+                    <a:bodyPr/>
+                    <a:p>
+                      <a:pPr algn="ctr">
+                        <a:lnSpc>
+                          <a:spcPct val="160000"/>
+                        </a:lnSpc>
+                        <a:buNone/>
+                      </a:pPr>
+                      <a:r>
+                        <a:rPr lang="" altLang="en-US" sz="1000" b="1">
+                          <a:solidFill>
+                            <a:srgbClr val="2C3E50"/>
+                          </a:solidFill>
+                        </a:rPr>
+                        <a:t>1</a:t>
+                      </a:r>
+                      <a:endParaRPr lang="" altLang="en-US" sz="1000" b="1">
+                        <a:solidFill>
+                          <a:srgbClr val="2C3E50"/>
+                        </a:solidFill>
+                      </a:endParaRPr>
+                    </a:p>
+                  </a:txBody>
+                  <a:tcPr>
+                    <a:lnL w="19050">
+                      <a:solidFill>
+                        <a:srgbClr val="2C3E50"/>
+                      </a:solidFill>
+                      <a:prstDash val="solid"/>
+                    </a:lnL>
+                    <a:lnR w="19050">
+                      <a:solidFill>
+                        <a:srgbClr val="2C3E50"/>
+                      </a:solidFill>
+                      <a:prstDash val="solid"/>
+                    </a:lnR>
+                    <a:lnT w="19050">
+                      <a:solidFill>
+                        <a:srgbClr val="2C3E50"/>
+                      </a:solidFill>
+                      <a:prstDash val="solid"/>
+                    </a:lnT>
+                    <a:lnB w="19050">
+                      <a:solidFill>
+                        <a:srgbClr val="2C3E50"/>
+                      </a:solidFill>
+                      <a:prstDash val="solid"/>
+                    </a:lnB>
+                  </a:tcPr>
+                </a:tc>
+                <a:tc>
+                  <a:txBody>
+                    <a:bodyPr/>
+                    <a:p>
+                      <a:pPr algn="ctr">
+                        <a:lnSpc>
+                          <a:spcPct val="160000"/>
+                        </a:lnSpc>
+                        <a:buNone/>
+                      </a:pPr>
+                      <a:r>
+                        <a:rPr lang="" altLang="en-US" sz="1000" b="1">
+                          <a:solidFill>
+                            <a:srgbClr val="2C3E50"/>
+                          </a:solidFill>
+                        </a:rPr>
+                        <a:t>1</a:t>
+                      </a:r>
+                      <a:endParaRPr lang="" altLang="en-US" sz="1000" b="1">
+                        <a:solidFill>
+                          <a:srgbClr val="2C3E50"/>
+                        </a:solidFill>
+                      </a:endParaRPr>
+                    </a:p>
+                  </a:txBody>
+                  <a:tcPr>
+                    <a:lnL w="19050">
+                      <a:solidFill>
+                        <a:srgbClr val="2C3E50"/>
+                      </a:solidFill>
+                      <a:prstDash val="solid"/>
+                    </a:lnL>
+                    <a:lnR w="19050">
+                      <a:solidFill>
+                        <a:srgbClr val="2C3E50"/>
+                      </a:solidFill>
+                      <a:prstDash val="solid"/>
+                    </a:lnR>
+                    <a:lnT w="19050">
+                      <a:solidFill>
+                        <a:srgbClr val="2C3E50"/>
+                      </a:solidFill>
+                      <a:prstDash val="solid"/>
+                    </a:lnT>
+                    <a:lnB w="19050">
+                      <a:solidFill>
+                        <a:srgbClr val="2C3E50"/>
+                      </a:solidFill>
+                      <a:prstDash val="solid"/>
+                    </a:lnB>
+                  </a:tcPr>
+                </a:tc>
+                <a:tc>
+                  <a:txBody>
+                    <a:bodyPr/>
+                    <a:p>
+                      <a:pPr algn="ctr">
+                        <a:lnSpc>
+                          <a:spcPct val="160000"/>
+                        </a:lnSpc>
+                        <a:buNone/>
+                      </a:pPr>
+                      <a:r>
+                        <a:rPr lang="" altLang="en-US" sz="1000" b="1">
+                          <a:solidFill>
+                            <a:srgbClr val="2C3E50"/>
+                          </a:solidFill>
+                        </a:rPr>
+                        <a:t>1</a:t>
+                      </a:r>
+                      <a:endParaRPr lang="" altLang="en-US" sz="1000" b="1">
+                        <a:solidFill>
+                          <a:srgbClr val="2C3E50"/>
+                        </a:solidFill>
+                      </a:endParaRPr>
+                    </a:p>
+                  </a:txBody>
+                  <a:tcPr>
+                    <a:lnL w="19050">
+                      <a:solidFill>
+                        <a:srgbClr val="2C3E50"/>
+                      </a:solidFill>
+                      <a:prstDash val="solid"/>
+                    </a:lnL>
+                    <a:lnR w="19050">
+                      <a:solidFill>
+                        <a:srgbClr val="2C3E50"/>
+                      </a:solidFill>
+                      <a:prstDash val="solid"/>
+                    </a:lnR>
+                    <a:lnT w="19050">
+                      <a:solidFill>
+                        <a:srgbClr val="2C3E50"/>
+                      </a:solidFill>
+                      <a:prstDash val="solid"/>
+                    </a:lnT>
+                    <a:lnB w="19050">
+                      <a:solidFill>
+                        <a:srgbClr val="2C3E50"/>
+                      </a:solidFill>
+                      <a:prstDash val="solid"/>
+                    </a:lnB>
+                  </a:tcPr>
+                </a:tc>
+                <a:tc>
+                  <a:txBody>
+                    <a:bodyPr/>
+                    <a:p>
+                      <a:pPr algn="ctr">
+                        <a:lnSpc>
+                          <a:spcPct val="160000"/>
+                        </a:lnSpc>
+                        <a:buNone/>
+                      </a:pPr>
+                      <a:r>
+                        <a:rPr lang="" altLang="en-US" sz="1000" b="1">
+                          <a:solidFill>
+                            <a:srgbClr val="2C3E50"/>
+                          </a:solidFill>
+                        </a:rPr>
+                        <a:t>1</a:t>
+                      </a:r>
+                      <a:endParaRPr lang="" altLang="en-US" sz="1000" b="1">
+                        <a:solidFill>
+                          <a:srgbClr val="2C3E50"/>
+                        </a:solidFill>
+                      </a:endParaRPr>
+                    </a:p>
+                  </a:txBody>
+                  <a:tcPr>
+                    <a:lnL w="19050">
+                      <a:solidFill>
+                        <a:srgbClr val="2C3E50"/>
+                      </a:solidFill>
+                      <a:prstDash val="solid"/>
+                    </a:lnL>
+                    <a:lnR w="19050">
+                      <a:solidFill>
+                        <a:srgbClr val="2C3E50"/>
+                      </a:solidFill>
+                      <a:prstDash val="solid"/>
+                    </a:lnR>
+                    <a:lnT w="19050">
+                      <a:solidFill>
+                        <a:srgbClr val="2C3E50"/>
+                      </a:solidFill>
+                      <a:prstDash val="solid"/>
+                    </a:lnT>
+                    <a:lnB w="19050">
+                      <a:solidFill>
+                        <a:srgbClr val="2C3E50"/>
+                      </a:solidFill>
+                      <a:prstDash val="solid"/>
+                    </a:lnB>
+                  </a:tcPr>
+                </a:tc>
+                <a:tc>
+                  <a:txBody>
+                    <a:bodyPr/>
+                    <a:p>
+                      <a:pPr>
+                        <a:lnSpc>
+                          <a:spcPct val="160000"/>
+                        </a:lnSpc>
+                        <a:buNone/>
+                      </a:pPr>
+                      <a:r>
+                        <a:rPr lang="en-US" sz="1000" b="1">
+                          <a:solidFill>
+                            <a:srgbClr val="2C3E50"/>
+                          </a:solidFill>
+                        </a:rPr>
+                        <a:t>BAD (MOVABLE+DMA32+HIGHMEM+DMA) </a:t>
+                      </a:r>
+                      <a:endParaRPr lang="en-US" sz="1000" b="1">
+                        <a:solidFill>
+                          <a:srgbClr val="2C3E50"/>
+                        </a:solidFill>
+                      </a:endParaRPr>
+                    </a:p>
+                  </a:txBody>
+                  <a:tcPr>
+                    <a:lnL w="19050">
+                      <a:solidFill>
+                        <a:srgbClr val="2C3E50"/>
+                      </a:solidFill>
+                      <a:prstDash val="solid"/>
+                    </a:lnL>
+                    <a:lnR w="19050">
+                      <a:solidFill>
+                        <a:srgbClr val="2C3E50"/>
+                      </a:solidFill>
+                      <a:prstDash val="solid"/>
+                    </a:lnR>
+                    <a:lnT w="19050">
+                      <a:solidFill>
+                        <a:srgbClr val="2C3E50"/>
+                      </a:solidFill>
+                      <a:prstDash val="solid"/>
+                    </a:lnT>
+                    <a:lnB w="19050">
+                      <a:solidFill>
+                        <a:srgbClr val="2C3E50"/>
+                      </a:solidFill>
+                      <a:prstDash val="solid"/>
+                    </a:lnB>
+                  </a:tcPr>
+                </a:tc>
+              </a:tr>
+            </a:tbl>
+          </a:graphicData>
+        </a:graphic>
+      </p:graphicFrame>
     </p:spTree>
   </p:cSld>
   <p:clrMapOvr>
@@ -13725,6 +19093,43 @@
         <p:nvPr/>
       </p:nvGrpSpPr>
       <p:grpSpPr/>
+      <p:sp>
+        <p:nvSpPr>
+          <p:cNvPr id="4" name="Text Box 3"/>
+          <p:cNvSpPr txBox="true"/>
+          <p:nvPr/>
+        </p:nvSpPr>
+        <p:spPr>
+          <a:xfrm>
+            <a:off x="2362200" y="1968500"/>
+            <a:ext cx="1801495" cy="768350"/>
+          </a:xfrm>
+          <a:prstGeom prst="rect">
+            <a:avLst/>
+          </a:prstGeom>
+          <a:noFill/>
+        </p:spPr>
+        <p:txBody>
+          <a:bodyPr wrap="none" rtlCol="0">
+            <a:spAutoFit/>
+          </a:bodyPr>
+          <a:p>
+            <a:r>
+              <a:rPr lang="" altLang="zh-CN" sz="4400" b="1">
+                <a:solidFill>
+                  <a:srgbClr val="2C3E50"/>
+                </a:solidFill>
+              </a:rPr>
+              <a:t>SLUB</a:t>
+            </a:r>
+            <a:endParaRPr lang="" altLang="zh-CN" sz="4400" b="1">
+              <a:solidFill>
+                <a:srgbClr val="2C3E50"/>
+              </a:solidFill>
+            </a:endParaRPr>
+          </a:p>
+        </p:txBody>
+      </p:sp>
     </p:spTree>
   </p:cSld>
   <p:clrMapOvr>

--- a/picture/ppt/memory/memory_modle.pptx
+++ b/picture/ppt/memory/memory_modle.pptx
@@ -29275,7 +29275,7 @@
           <a:p>
             <a:pPr algn="l"/>
             <a:r>
-              <a:rPr lang="" altLang="zh-CN" b="1">
+              <a:rPr lang="en-US" altLang="zh-CN" b="1">
                 <a:solidFill>
                   <a:srgbClr val="2C3E50"/>
                 </a:solidFill>
@@ -29284,33 +29284,24 @@
               <a:t>pgdat</a:t>
             </a:r>
             <a:r>
-              <a:rPr lang="en-US" altLang="" b="1">
+              <a:rPr lang="en-US" altLang="en-US" b="1">
                 <a:solidFill>
                   <a:srgbClr val="2C3E50"/>
                 </a:solidFill>
                 <a:cs typeface="DejaVu Sans" panose="020B0603030804020204" charset="0"/>
               </a:rPr>
-              <a:t> </a:t>
-            </a:r>
-            <a:r>
-              <a:rPr lang="" altLang="en-US" b="1">
+              <a:t> balance</a:t>
+            </a:r>
+            <a:r>
+              <a:rPr lang="zh-CN" altLang="en-US" b="1">
                 <a:solidFill>
                   <a:srgbClr val="2C3E50"/>
                 </a:solidFill>
                 <a:cs typeface="DejaVu Sans" panose="020B0603030804020204" charset="0"/>
               </a:rPr>
-              <a:t>balance</a:t>
-            </a:r>
-            <a:r>
-              <a:rPr lang="zh-CN" altLang="" b="1">
-                <a:solidFill>
-                  <a:srgbClr val="2C3E50"/>
-                </a:solidFill>
-                <a:cs typeface="DejaVu Sans" panose="020B0603030804020204" charset="0"/>
-              </a:rPr>
               <a:t>判断</a:t>
             </a:r>
-            <a:endParaRPr lang="zh-CN" altLang="" b="1">
+            <a:endParaRPr lang="zh-CN" altLang="en-US" b="1">
               <a:solidFill>
                 <a:srgbClr val="2C3E50"/>
               </a:solidFill>
@@ -29387,7 +29378,7 @@
               <a:t>到</a:t>
             </a:r>
             <a:r>
-              <a:rPr lang="" altLang="zh-CN" sz="1200" b="1">
+              <a:rPr lang="en-US" altLang="zh-CN" sz="1200" b="1">
                 <a:solidFill>
                   <a:srgbClr val="2C3E50"/>
                 </a:solidFill>
@@ -29409,7 +29400,7 @@
           </a:p>
           <a:p>
             <a:r>
-              <a:rPr lang="" altLang="zh-CN" sz="1200" b="1">
+              <a:rPr lang="en-US" altLang="zh-CN" sz="1200" b="1">
                 <a:solidFill>
                   <a:srgbClr val="2C3E50"/>
                 </a:solidFill>
@@ -29417,7 +29408,7 @@
               <a:t>balance_zone = </a:t>
             </a:r>
             <a:r>
-              <a:rPr lang="zh-CN" altLang="" sz="1200" b="1">
+              <a:rPr lang="zh-CN" altLang="en-US" sz="1200" b="1">
                 <a:solidFill>
                   <a:srgbClr val="2C3E50"/>
                 </a:solidFill>
@@ -29425,7 +29416,7 @@
               <a:t>满足</a:t>
             </a:r>
             <a:r>
-              <a:rPr lang="" altLang="zh-CN" sz="1200" b="1">
+              <a:rPr lang="en-US" altLang="zh-CN" sz="1200" b="1">
                 <a:solidFill>
                   <a:srgbClr val="2C3E50"/>
                 </a:solidFill>
@@ -29433,7 +29424,7 @@
               <a:t>order</a:t>
             </a:r>
             <a:r>
-              <a:rPr lang="zh-CN" altLang="" sz="1200" b="1">
+              <a:rPr lang="zh-CN" altLang="en-US" sz="1200" b="1">
                 <a:solidFill>
                   <a:srgbClr val="2C3E50"/>
                 </a:solidFill>
@@ -29441,7 +29432,7 @@
               <a:t>分配且水位在</a:t>
             </a:r>
             <a:r>
-              <a:rPr lang="" altLang="zh-CN" sz="1200" b="1">
+              <a:rPr lang="en-US" altLang="zh-CN" sz="1200" b="1">
                 <a:solidFill>
                   <a:srgbClr val="2C3E50"/>
                 </a:solidFill>
@@ -29449,7 +29440,7 @@
               <a:t>high</a:t>
             </a:r>
             <a:r>
-              <a:rPr lang="zh-CN" altLang="" sz="1200" b="1">
+              <a:rPr lang="zh-CN" altLang="en-US" sz="1200" b="1">
                 <a:solidFill>
                   <a:srgbClr val="2C3E50"/>
                 </a:solidFill>
@@ -29457,7 +29448,7 @@
               <a:t>以上的</a:t>
             </a:r>
             <a:r>
-              <a:rPr lang="" altLang="zh-CN" sz="1200" b="1">
+              <a:rPr lang="en-US" altLang="zh-CN" sz="1200" b="1">
                 <a:solidFill>
                   <a:srgbClr val="2C3E50"/>
                 </a:solidFill>
@@ -29479,21 +29470,21 @@
           </a:p>
           <a:p>
             <a:r>
-              <a:rPr lang="" altLang="zh-CN" sz="1200" b="1">
+              <a:rPr lang="en-US" altLang="zh-CN" sz="1200" b="1">
                 <a:solidFill>
                   <a:srgbClr val="2C3E50"/>
                 </a:solidFill>
               </a:rPr>
               <a:t>balance_pages += balance_zone-&gt;manager_pages</a:t>
             </a:r>
-            <a:endParaRPr lang="" altLang="zh-CN" sz="1200" b="1">
+            <a:endParaRPr lang="en-US" altLang="zh-CN" sz="1200" b="1">
               <a:solidFill>
                 <a:srgbClr val="2C3E50"/>
               </a:solidFill>
             </a:endParaRPr>
           </a:p>
           <a:p>
-            <a:endParaRPr lang="" altLang="zh-CN" sz="1200" b="1">
+            <a:endParaRPr lang="en-US" altLang="zh-CN" sz="1200" b="1">
               <a:solidFill>
                 <a:srgbClr val="2C3E50"/>
               </a:solidFill>
@@ -29501,7 +29492,7 @@
           </a:p>
           <a:p>
             <a:r>
-              <a:rPr lang="zh-CN" altLang="" sz="1200" b="1">
+              <a:rPr lang="zh-CN" altLang="en-US" sz="1200" b="1">
                 <a:solidFill>
                   <a:srgbClr val="2C3E50"/>
                 </a:solidFill>
@@ -29517,7 +29508,7 @@
               <a:t> </a:t>
             </a:r>
             <a:r>
-              <a:rPr lang="" altLang="en-US" sz="1200" b="1">
+              <a:rPr lang="en-US" altLang="en-US" sz="1200" b="1">
                 <a:solidFill>
                   <a:srgbClr val="2C3E50"/>
                 </a:solidFill>
@@ -29525,7 +29516,7 @@
               <a:t>balance_pages &gt; </a:t>
             </a:r>
             <a:r>
-              <a:rPr lang="zh-CN" altLang="" sz="1200" b="1">
+              <a:rPr lang="zh-CN" altLang="en-US" sz="1200" b="1">
                 <a:solidFill>
                   <a:srgbClr val="2C3E50"/>
                 </a:solidFill>
@@ -29533,7 +29524,7 @@
               <a:t>所有</a:t>
             </a:r>
             <a:r>
-              <a:rPr lang="" altLang="zh-CN" sz="1200" b="1">
+              <a:rPr lang="en-US" altLang="zh-CN" sz="1200" b="1">
                 <a:solidFill>
                   <a:srgbClr val="2C3E50"/>
                 </a:solidFill>
@@ -29541,7 +29532,7 @@
               <a:t>zone</a:t>
             </a:r>
             <a:r>
-              <a:rPr lang="zh-CN" altLang="" sz="1200" b="1">
+              <a:rPr lang="zh-CN" altLang="en-US" sz="1200" b="1">
                 <a:solidFill>
                   <a:srgbClr val="2C3E50"/>
                 </a:solidFill>
@@ -29549,14 +29540,14 @@
               <a:t>管理的</a:t>
             </a:r>
             <a:r>
-              <a:rPr lang="" altLang="zh-CN" sz="1200" b="1">
+              <a:rPr lang="en-US" altLang="zh-CN" sz="1200" b="1">
                 <a:solidFill>
                   <a:srgbClr val="2C3E50"/>
                 </a:solidFill>
               </a:rPr>
               <a:t>manager_pages</a:t>
             </a:r>
-            <a:endParaRPr lang="" altLang="zh-CN" sz="1200" b="1">
+            <a:endParaRPr lang="en-US" altLang="zh-CN" sz="1200" b="1">
               <a:solidFill>
                 <a:srgbClr val="2C3E50"/>
               </a:solidFill>
@@ -29564,7 +29555,7 @@
           </a:p>
           <a:p>
             <a:r>
-              <a:rPr lang="zh-CN" altLang="" sz="1200" b="1">
+              <a:rPr lang="zh-CN" altLang="en-US" sz="1200" b="1">
                 <a:solidFill>
                   <a:srgbClr val="2C3E50"/>
                 </a:solidFill>
@@ -29572,7 +29563,7 @@
               <a:t>那么就是</a:t>
             </a:r>
             <a:r>
-              <a:rPr lang="" altLang="zh-CN" sz="1200" b="1">
+              <a:rPr lang="en-US" altLang="zh-CN" sz="1200" b="1">
                 <a:solidFill>
                   <a:srgbClr val="2C3E50"/>
                 </a:solidFill>
@@ -29580,28 +29571,28 @@
               <a:t>balance</a:t>
             </a:r>
             <a:r>
-              <a:rPr lang="zh-CN" altLang="" sz="1200" b="1">
+              <a:rPr lang="zh-CN" altLang="en-US" sz="1200" b="1">
                 <a:solidFill>
                   <a:srgbClr val="2C3E50"/>
                 </a:solidFill>
               </a:rPr>
               <a:t>的</a:t>
             </a:r>
-            <a:endParaRPr lang="" altLang="zh-CN" sz="1200" b="1">
+            <a:endParaRPr lang="en-US" altLang="zh-CN" sz="1200" b="1">
               <a:solidFill>
                 <a:srgbClr val="2C3E50"/>
               </a:solidFill>
             </a:endParaRPr>
           </a:p>
           <a:p>
-            <a:endParaRPr lang="" altLang="zh-CN" sz="1200" b="1">
+            <a:endParaRPr lang="en-US" altLang="zh-CN" sz="1200" b="1">
               <a:solidFill>
                 <a:srgbClr val="2C3E50"/>
               </a:solidFill>
             </a:endParaRPr>
           </a:p>
           <a:p>
-            <a:endParaRPr lang="" altLang="zh-CN" sz="1200" b="1">
+            <a:endParaRPr lang="en-US" altLang="zh-CN" sz="1200" b="1">
               <a:solidFill>
                 <a:srgbClr val="2C3E50"/>
               </a:solidFill>
@@ -29707,7 +29698,7 @@
               <a:t>只要有一个</a:t>
             </a:r>
             <a:r>
-              <a:rPr lang="" altLang="zh-CN" sz="1200" b="1">
+              <a:rPr lang="en-US" altLang="zh-CN" sz="1200" b="1">
                 <a:solidFill>
                   <a:srgbClr val="2C3E50"/>
                 </a:solidFill>
@@ -29770,7 +29761,7 @@
               <a:t>那么这个</a:t>
             </a:r>
             <a:r>
-              <a:rPr lang="" altLang="zh-CN" sz="1200" b="1">
+              <a:rPr lang="en-US" altLang="zh-CN" sz="1200" b="1">
                 <a:solidFill>
                   <a:srgbClr val="2C3E50"/>
                 </a:solidFill>
@@ -29778,7 +29769,7 @@
               <a:t>pgdat</a:t>
             </a:r>
             <a:r>
-              <a:rPr lang="zh-CN" altLang="" sz="1200" b="1">
+              <a:rPr lang="zh-CN" altLang="en-US" sz="1200" b="1">
                 <a:solidFill>
                   <a:srgbClr val="2C3E50"/>
                 </a:solidFill>
@@ -29786,7 +29777,7 @@
               <a:t>就是</a:t>
             </a:r>
             <a:r>
-              <a:rPr lang="" altLang="zh-CN" sz="1200" b="1">
+              <a:rPr lang="en-US" altLang="zh-CN" sz="1200" b="1">
                 <a:solidFill>
                   <a:srgbClr val="2C3E50"/>
                 </a:solidFill>
@@ -29794,7 +29785,7 @@
               <a:t>balance</a:t>
             </a:r>
             <a:r>
-              <a:rPr lang="zh-CN" altLang="" sz="1200" b="1">
+              <a:rPr lang="zh-CN" altLang="en-US" sz="1200" b="1">
                 <a:solidFill>
                   <a:srgbClr val="2C3E50"/>
                 </a:solidFill>
@@ -37535,12 +37526,18 @@
             <a:pPr algn="l"/>
             <a:r>
               <a:rPr lang="en-US">
+                <a:solidFill>
+                  <a:srgbClr val="2C3E50"/>
+                </a:solidFill>
                 <a:ea typeface="DejaVu Sans" panose="020B0603030804020204" charset="0"/>
                 <a:cs typeface="DejaVu Sans" panose="020B0603030804020204" charset="0"/>
               </a:rPr>
               <a:t>从2.2版开始，Linux让所有的进程(或叫任务)都使用相同的逻辑地址空间，</a:t>
             </a:r>
             <a:endParaRPr lang="en-US">
+              <a:solidFill>
+                <a:srgbClr val="2C3E50"/>
+              </a:solidFill>
               <a:ea typeface="DejaVu Sans" panose="020B0603030804020204" charset="0"/>
               <a:cs typeface="DejaVu Sans" panose="020B0603030804020204" charset="0"/>
             </a:endParaRPr>
@@ -37549,12 +37546,18 @@
             <a:pPr algn="l"/>
             <a:r>
               <a:rPr lang="en-US">
+                <a:solidFill>
+                  <a:srgbClr val="2C3E50"/>
+                </a:solidFill>
                 <a:ea typeface="DejaVu Sans" panose="020B0603030804020204" charset="0"/>
                 <a:cs typeface="DejaVu Sans" panose="020B0603030804020204" charset="0"/>
               </a:rPr>
               <a:t>因此就没有必要使用局部描述符表LDT</a:t>
             </a:r>
             <a:endParaRPr lang="en-US">
+              <a:solidFill>
+                <a:srgbClr val="2C3E50"/>
+              </a:solidFill>
               <a:ea typeface="DejaVu Sans" panose="020B0603030804020204" charset="0"/>
               <a:cs typeface="DejaVu Sans" panose="020B0603030804020204" charset="0"/>
             </a:endParaRPr>
@@ -37585,12 +37588,18 @@
             <a:pPr algn="l"/>
             <a:r>
               <a:rPr lang="en-US">
+                <a:solidFill>
+                  <a:srgbClr val="2C3E50"/>
+                </a:solidFill>
                 <a:ea typeface="DejaVu Sans" panose="020B0603030804020204" charset="0"/>
                 <a:cs typeface="DejaVu Sans" panose="020B0603030804020204" charset="0"/>
               </a:rPr>
               <a:t>在 IA32 上任意给出的地址都是一个虚拟地址，即任意一个地址都是通过“选择符:偏移量”的方式给出的，</a:t>
             </a:r>
             <a:endParaRPr lang="en-US">
+              <a:solidFill>
+                <a:srgbClr val="2C3E50"/>
+              </a:solidFill>
               <a:ea typeface="DejaVu Sans" panose="020B0603030804020204" charset="0"/>
               <a:cs typeface="DejaVu Sans" panose="020B0603030804020204" charset="0"/>
             </a:endParaRPr>
@@ -37599,12 +37608,18 @@
             <a:pPr algn="l"/>
             <a:r>
               <a:rPr lang="en-US">
+                <a:solidFill>
+                  <a:srgbClr val="2C3E50"/>
+                </a:solidFill>
                 <a:ea typeface="DejaVu Sans" panose="020B0603030804020204" charset="0"/>
                 <a:cs typeface="DejaVu Sans" panose="020B0603030804020204" charset="0"/>
               </a:rPr>
               <a:t>这是段机制存访问模式的基本特点。所以在IA32上设计操作 系统时无法回避使用段机制。一个虚拟地址</a:t>
             </a:r>
             <a:endParaRPr lang="en-US">
+              <a:solidFill>
+                <a:srgbClr val="2C3E50"/>
+              </a:solidFill>
               <a:ea typeface="DejaVu Sans" panose="020B0603030804020204" charset="0"/>
               <a:cs typeface="DejaVu Sans" panose="020B0603030804020204" charset="0"/>
             </a:endParaRPr>
@@ -37613,12 +37628,18 @@
             <a:pPr algn="l"/>
             <a:r>
               <a:rPr lang="en-US">
+                <a:solidFill>
+                  <a:srgbClr val="2C3E50"/>
+                </a:solidFill>
                 <a:ea typeface="DejaVu Sans" panose="020B0603030804020204" charset="0"/>
                 <a:cs typeface="DejaVu Sans" panose="020B0603030804020204" charset="0"/>
               </a:rPr>
               <a:t>最终会通过“段基地址+偏移量”的方式转化为一个线性地址。 但是，由于绝大多数硬件平台都不支持段</a:t>
             </a:r>
             <a:endParaRPr lang="en-US">
+              <a:solidFill>
+                <a:srgbClr val="2C3E50"/>
+              </a:solidFill>
               <a:ea typeface="DejaVu Sans" panose="020B0603030804020204" charset="0"/>
               <a:cs typeface="DejaVu Sans" panose="020B0603030804020204" charset="0"/>
             </a:endParaRPr>
@@ -37627,12 +37648,18 @@
             <a:pPr algn="l"/>
             <a:r>
               <a:rPr lang="en-US">
+                <a:solidFill>
+                  <a:srgbClr val="2C3E50"/>
+                </a:solidFill>
                 <a:ea typeface="DejaVu Sans" panose="020B0603030804020204" charset="0"/>
                 <a:cs typeface="DejaVu Sans" panose="020B0603030804020204" charset="0"/>
               </a:rPr>
               <a:t>机制，只支持分页机制，所以为了让 Linux 具有更好的可移植性，我们需要去掉段机制而只使用分页机制。</a:t>
             </a:r>
             <a:endParaRPr lang="en-US">
+              <a:solidFill>
+                <a:srgbClr val="2C3E50"/>
+              </a:solidFill>
               <a:ea typeface="DejaVu Sans" panose="020B0603030804020204" charset="0"/>
               <a:cs typeface="DejaVu Sans" panose="020B0603030804020204" charset="0"/>
             </a:endParaRPr>
@@ -37641,12 +37668,18 @@
             <a:pPr algn="l"/>
             <a:r>
               <a:rPr lang="en-US">
+                <a:solidFill>
+                  <a:srgbClr val="2C3E50"/>
+                </a:solidFill>
                 <a:ea typeface="DejaVu Sans" panose="020B0603030804020204" charset="0"/>
                 <a:cs typeface="DejaVu Sans" panose="020B0603030804020204" charset="0"/>
               </a:rPr>
               <a:t>但不幸的是，IA32规定段机制是不可禁止的，因此不可能绕过它直接给出线性地址空间的地址。 </a:t>
             </a:r>
             <a:endParaRPr lang="en-US">
+              <a:solidFill>
+                <a:srgbClr val="2C3E50"/>
+              </a:solidFill>
               <a:ea typeface="DejaVu Sans" panose="020B0603030804020204" charset="0"/>
               <a:cs typeface="DejaVu Sans" panose="020B0603030804020204" charset="0"/>
             </a:endParaRPr>
@@ -37655,12 +37688,18 @@
             <a:pPr algn="l"/>
             <a:r>
               <a:rPr lang="en-US">
+                <a:solidFill>
+                  <a:srgbClr val="2C3E50"/>
+                </a:solidFill>
                 <a:ea typeface="DejaVu Sans" panose="020B0603030804020204" charset="0"/>
                 <a:cs typeface="DejaVu Sans" panose="020B0603030804020204" charset="0"/>
               </a:rPr>
               <a:t>万般无奈之下，Linux的设计人员干脆让段的基地址为0，而段的界限为4GB，这时任意给出一个偏移量，</a:t>
             </a:r>
             <a:endParaRPr lang="en-US">
+              <a:solidFill>
+                <a:srgbClr val="2C3E50"/>
+              </a:solidFill>
               <a:ea typeface="DejaVu Sans" panose="020B0603030804020204" charset="0"/>
               <a:cs typeface="DejaVu Sans" panose="020B0603030804020204" charset="0"/>
             </a:endParaRPr>
@@ -37669,12 +37708,18 @@
             <a:pPr algn="l"/>
             <a:r>
               <a:rPr lang="en-US">
+                <a:solidFill>
+                  <a:srgbClr val="2C3E50"/>
+                </a:solidFill>
                 <a:ea typeface="DejaVu Sans" panose="020B0603030804020204" charset="0"/>
                 <a:cs typeface="DejaVu Sans" panose="020B0603030804020204" charset="0"/>
               </a:rPr>
               <a:t>则等式为“0+偏移量=线性地址”，也就是说 “偏移量=线性地址”。另外由于段机制规定“偏移量&lt;4GB”，</a:t>
             </a:r>
             <a:endParaRPr lang="en-US">
+              <a:solidFill>
+                <a:srgbClr val="2C3E50"/>
+              </a:solidFill>
               <a:ea typeface="DejaVu Sans" panose="020B0603030804020204" charset="0"/>
               <a:cs typeface="DejaVu Sans" panose="020B0603030804020204" charset="0"/>
             </a:endParaRPr>
@@ -37683,12 +37728,18 @@
             <a:pPr algn="l"/>
             <a:r>
               <a:rPr lang="en-US">
+                <a:solidFill>
+                  <a:srgbClr val="2C3E50"/>
+                </a:solidFill>
                 <a:ea typeface="DejaVu Sans" panose="020B0603030804020204" charset="0"/>
                 <a:cs typeface="DejaVu Sans" panose="020B0603030804020204" charset="0"/>
               </a:rPr>
               <a:t>所以偏移量的范围为0H～FFFFFFFFH，这恰好是线性地址空间范围，也就是说 虚拟地址直接映射到了线</a:t>
             </a:r>
             <a:endParaRPr lang="en-US">
+              <a:solidFill>
+                <a:srgbClr val="2C3E50"/>
+              </a:solidFill>
               <a:ea typeface="DejaVu Sans" panose="020B0603030804020204" charset="0"/>
               <a:cs typeface="DejaVu Sans" panose="020B0603030804020204" charset="0"/>
             </a:endParaRPr>
@@ -37697,12 +37748,18 @@
             <a:pPr algn="l"/>
             <a:r>
               <a:rPr lang="en-US">
+                <a:solidFill>
+                  <a:srgbClr val="2C3E50"/>
+                </a:solidFill>
                 <a:ea typeface="DejaVu Sans" panose="020B0603030804020204" charset="0"/>
                 <a:cs typeface="DejaVu Sans" panose="020B0603030804020204" charset="0"/>
               </a:rPr>
               <a:t>性地址，我们以后所提到的虚拟地址和线性地址指的也就是同一地址。看来，Linux在没有回避段机制的</a:t>
             </a:r>
             <a:endParaRPr lang="en-US">
+              <a:solidFill>
+                <a:srgbClr val="2C3E50"/>
+              </a:solidFill>
               <a:ea typeface="DejaVu Sans" panose="020B0603030804020204" charset="0"/>
               <a:cs typeface="DejaVu Sans" panose="020B0603030804020204" charset="0"/>
             </a:endParaRPr>
@@ -37711,12 +37768,18 @@
             <a:pPr algn="l"/>
             <a:r>
               <a:rPr lang="en-US">
+                <a:solidFill>
+                  <a:srgbClr val="2C3E50"/>
+                </a:solidFill>
                 <a:ea typeface="DejaVu Sans" panose="020B0603030804020204" charset="0"/>
                 <a:cs typeface="DejaVu Sans" panose="020B0603030804020204" charset="0"/>
               </a:rPr>
               <a:t>情况下巧妙地把段机制给绕过去了。</a:t>
             </a:r>
             <a:endParaRPr lang="en-US">
+              <a:solidFill>
+                <a:srgbClr val="2C3E50"/>
+              </a:solidFill>
               <a:ea typeface="DejaVu Sans" panose="020B0603030804020204" charset="0"/>
               <a:cs typeface="DejaVu Sans" panose="020B0603030804020204" charset="0"/>
             </a:endParaRPr>
